--- a/Report/DiplomReportPrint.pptx
+++ b/Report/DiplomReportPrint.pptx
@@ -5,22 +5,21 @@
     <p:sldMasterId id="2147483792" r:id="rId1"/>
   </p:sldMasterIdLst>
   <p:notesMasterIdLst>
-    <p:notesMasterId r:id="rId15"/>
+    <p:notesMasterId r:id="rId14"/>
   </p:notesMasterIdLst>
   <p:sldIdLst>
-    <p:sldId id="257" r:id="rId2"/>
-    <p:sldId id="259" r:id="rId3"/>
-    <p:sldId id="281" r:id="rId4"/>
-    <p:sldId id="282" r:id="rId5"/>
-    <p:sldId id="264" r:id="rId6"/>
-    <p:sldId id="274" r:id="rId7"/>
-    <p:sldId id="275" r:id="rId8"/>
-    <p:sldId id="266" r:id="rId9"/>
-    <p:sldId id="276" r:id="rId10"/>
-    <p:sldId id="278" r:id="rId11"/>
-    <p:sldId id="269" r:id="rId12"/>
-    <p:sldId id="284" r:id="rId13"/>
-    <p:sldId id="280" r:id="rId14"/>
+    <p:sldId id="285" r:id="rId2"/>
+    <p:sldId id="281" r:id="rId3"/>
+    <p:sldId id="282" r:id="rId4"/>
+    <p:sldId id="264" r:id="rId5"/>
+    <p:sldId id="274" r:id="rId6"/>
+    <p:sldId id="275" r:id="rId7"/>
+    <p:sldId id="266" r:id="rId8"/>
+    <p:sldId id="276" r:id="rId9"/>
+    <p:sldId id="278" r:id="rId10"/>
+    <p:sldId id="269" r:id="rId11"/>
+    <p:sldId id="284" r:id="rId12"/>
+    <p:sldId id="280" r:id="rId13"/>
   </p:sldIdLst>
   <p:sldSz cx="9144000" cy="6858000" type="screen4x3"/>
   <p:notesSz cx="6858000" cy="9144000"/>
@@ -205,7 +204,7 @@
             <a:fld id="{8B1C4925-9B4A-4401-8FFF-3CF074C850CD}" type="datetimeFigureOut">
               <a:rPr lang="ru-RU" smtClean="0"/>
               <a:pPr/>
-              <a:t>19.06.2016</a:t>
+              <a:t>20.06.2016</a:t>
             </a:fld>
             <a:endParaRPr lang="ru-RU"/>
           </a:p>
@@ -621,7 +620,7 @@
             <a:fld id="{049E375B-31E3-41CD-AB3F-18479AAAD621}" type="slidenum">
               <a:rPr lang="ru-RU" smtClean="0"/>
               <a:pPr/>
-              <a:t>7</a:t>
+              <a:t>6</a:t>
             </a:fld>
             <a:endParaRPr lang="ru-RU"/>
           </a:p>
@@ -703,7 +702,7 @@
             <a:fld id="{049E375B-31E3-41CD-AB3F-18479AAAD621}" type="slidenum">
               <a:rPr lang="ru-RU" smtClean="0"/>
               <a:pPr/>
-              <a:t>11</a:t>
+              <a:t>10</a:t>
             </a:fld>
             <a:endParaRPr lang="ru-RU"/>
           </a:p>
@@ -899,7 +898,7 @@
             <a:fld id="{5C65AEA6-ACA0-43E8-8299-07B2A61FBBE8}" type="datetime1">
               <a:rPr lang="ru-RU" smtClean="0"/>
               <a:pPr/>
-              <a:t>19.06.2016</a:t>
+              <a:t>20.06.2016</a:t>
             </a:fld>
             <a:endParaRPr lang="ru-RU"/>
           </a:p>
@@ -1066,7 +1065,7 @@
             <a:fld id="{D87D3024-B6BD-49EA-BF01-98779C417F9A}" type="datetime1">
               <a:rPr lang="ru-RU" smtClean="0"/>
               <a:pPr/>
-              <a:t>19.06.2016</a:t>
+              <a:t>20.06.2016</a:t>
             </a:fld>
             <a:endParaRPr lang="ru-RU"/>
           </a:p>
@@ -1243,7 +1242,7 @@
             <a:fld id="{9BBA9CBB-AFA8-4568-AD5D-760BF72121D1}" type="datetime1">
               <a:rPr lang="ru-RU" smtClean="0"/>
               <a:pPr/>
-              <a:t>19.06.2016</a:t>
+              <a:t>20.06.2016</a:t>
             </a:fld>
             <a:endParaRPr lang="ru-RU"/>
           </a:p>
@@ -1410,7 +1409,7 @@
             <a:fld id="{969F68A7-90EC-4F70-8E30-F08DEAB6EE35}" type="datetime1">
               <a:rPr lang="ru-RU" smtClean="0"/>
               <a:pPr/>
-              <a:t>19.06.2016</a:t>
+              <a:t>20.06.2016</a:t>
             </a:fld>
             <a:endParaRPr lang="ru-RU"/>
           </a:p>
@@ -1653,7 +1652,7 @@
             <a:fld id="{C60B1FA8-0321-4A3B-B421-E18CA344319E}" type="datetime1">
               <a:rPr lang="ru-RU" smtClean="0"/>
               <a:pPr/>
-              <a:t>19.06.2016</a:t>
+              <a:t>20.06.2016</a:t>
             </a:fld>
             <a:endParaRPr lang="ru-RU"/>
           </a:p>
@@ -1938,7 +1937,7 @@
             <a:fld id="{FB5111EB-55ED-422B-82BF-DBBC4018D9F9}" type="datetime1">
               <a:rPr lang="ru-RU" smtClean="0"/>
               <a:pPr/>
-              <a:t>19.06.2016</a:t>
+              <a:t>20.06.2016</a:t>
             </a:fld>
             <a:endParaRPr lang="ru-RU"/>
           </a:p>
@@ -2357,7 +2356,7 @@
             <a:fld id="{EBDA1F03-D7BB-4497-B9CB-0889423DDC97}" type="datetime1">
               <a:rPr lang="ru-RU" smtClean="0"/>
               <a:pPr/>
-              <a:t>19.06.2016</a:t>
+              <a:t>20.06.2016</a:t>
             </a:fld>
             <a:endParaRPr lang="ru-RU"/>
           </a:p>
@@ -2472,7 +2471,7 @@
             <a:fld id="{8C9EC9E5-AD75-4D37-A032-92804153FE93}" type="datetime1">
               <a:rPr lang="ru-RU" smtClean="0"/>
               <a:pPr/>
-              <a:t>19.06.2016</a:t>
+              <a:t>20.06.2016</a:t>
             </a:fld>
             <a:endParaRPr lang="ru-RU"/>
           </a:p>
@@ -2564,7 +2563,7 @@
             <a:fld id="{C8C14B91-0516-4E63-B8DE-78956FED7E2F}" type="datetime1">
               <a:rPr lang="ru-RU" smtClean="0"/>
               <a:pPr/>
-              <a:t>19.06.2016</a:t>
+              <a:t>20.06.2016</a:t>
             </a:fld>
             <a:endParaRPr lang="ru-RU"/>
           </a:p>
@@ -2838,7 +2837,7 @@
             <a:fld id="{79B09A05-01E6-4B4B-B0EF-081E08784493}" type="datetime1">
               <a:rPr lang="ru-RU" smtClean="0"/>
               <a:pPr/>
-              <a:t>19.06.2016</a:t>
+              <a:t>20.06.2016</a:t>
             </a:fld>
             <a:endParaRPr lang="ru-RU"/>
           </a:p>
@@ -3088,7 +3087,7 @@
             <a:fld id="{6E18308B-90C1-47B8-A7C8-D3AE5DFE2EA8}" type="datetime1">
               <a:rPr lang="ru-RU" smtClean="0"/>
               <a:pPr/>
-              <a:t>19.06.2016</a:t>
+              <a:t>20.06.2016</a:t>
             </a:fld>
             <a:endParaRPr lang="ru-RU"/>
           </a:p>
@@ -3298,7 +3297,7 @@
             <a:fld id="{63EC237D-629F-43A9-8DC8-BE0DBFB3E21D}" type="datetime1">
               <a:rPr lang="ru-RU" smtClean="0"/>
               <a:pPr/>
-              <a:t>19.06.2016</a:t>
+              <a:t>20.06.2016</a:t>
             </a:fld>
             <a:endParaRPr lang="ru-RU"/>
           </a:p>
@@ -3679,7 +3678,9 @@
           <p:nvPr/>
         </p:nvPicPr>
         <p:blipFill>
-          <a:blip r:embed="rId3" cstate="print"/>
+          <a:blip r:embed="rId3" cstate="print">
+            <a:lum bright="51000"/>
+          </a:blip>
           <a:srcRect/>
           <a:stretch>
             <a:fillRect/>
@@ -3687,8 +3688,8 @@
         </p:blipFill>
         <p:spPr bwMode="auto">
           <a:xfrm>
-            <a:off x="5796136" y="2060848"/>
-            <a:ext cx="3153438" cy="3443153"/>
+            <a:off x="7236296" y="1772816"/>
+            <a:ext cx="1516829" cy="1656184"/>
           </a:xfrm>
           <a:prstGeom prst="rect">
             <a:avLst/>
@@ -3706,7 +3707,7 @@
         </p:nvPicPr>
         <p:blipFill>
           <a:blip r:embed="rId4" cstate="print">
-            <a:lum bright="51000"/>
+            <a:lum bright="56000"/>
           </a:blip>
           <a:srcRect/>
           <a:stretch>
@@ -3715,8 +3716,8 @@
         </p:blipFill>
         <p:spPr bwMode="auto">
           <a:xfrm>
-            <a:off x="179512" y="1412776"/>
-            <a:ext cx="1944216" cy="1334266"/>
+            <a:off x="467544" y="2492896"/>
+            <a:ext cx="1429873" cy="981285"/>
           </a:xfrm>
           <a:prstGeom prst="rect">
             <a:avLst/>
@@ -3724,27 +3725,85 @@
           <a:noFill/>
         </p:spPr>
       </p:pic>
+      <p:sp>
+        <p:nvSpPr>
+          <p:cNvPr id="2" name="Заголовок 1"/>
+          <p:cNvSpPr>
+            <a:spLocks noGrp="1"/>
+          </p:cNvSpPr>
+          <p:nvPr>
+            <p:ph type="ctrTitle"/>
+          </p:nvPr>
+        </p:nvSpPr>
+        <p:spPr>
+          <a:xfrm>
+            <a:off x="467544" y="1124744"/>
+            <a:ext cx="8229600" cy="1828800"/>
+          </a:xfrm>
+        </p:spPr>
+        <p:txBody>
+          <a:bodyPr anchor="ctr">
+            <a:noAutofit/>
+          </a:bodyPr>
+          <a:lstStyle/>
+          <a:p>
+            <a:r>
+              <a:rPr lang="uk-UA" sz="4200" b="1" cap="all" dirty="0"/>
+              <a:t>Вимірювання та відображення характеристик напівпровідникових Транзисторів </a:t>
+            </a:r>
+            <a:r>
+              <a:rPr lang="ru-RU" sz="4200" dirty="0"/>
+              <a:t/>
+            </a:r>
+            <a:br>
+              <a:rPr lang="ru-RU" sz="4200" dirty="0"/>
+            </a:br>
+            <a:endParaRPr lang="ru-RU" sz="4200" dirty="0"/>
+          </a:p>
+        </p:txBody>
+      </p:sp>
+      <p:sp>
+        <p:nvSpPr>
+          <p:cNvPr id="9" name="Номер слайда 8"/>
+          <p:cNvSpPr>
+            <a:spLocks noGrp="1"/>
+          </p:cNvSpPr>
+          <p:nvPr>
+            <p:ph type="sldNum" sz="quarter" idx="12"/>
+          </p:nvPr>
+        </p:nvSpPr>
+        <p:spPr/>
+        <p:txBody>
+          <a:bodyPr/>
+          <a:lstStyle/>
+          <a:p>
+            <a:fld id="{679C4B18-9BFA-4BD6-A2FF-5FD9619786E0}" type="slidenum">
+              <a:rPr lang="ru-RU" smtClean="0"/>
+              <a:pPr/>
+              <a:t>1</a:t>
+            </a:fld>
+            <a:endParaRPr lang="ru-RU" dirty="0"/>
+          </a:p>
+        </p:txBody>
+      </p:sp>
       <p:pic>
         <p:nvPicPr>
-          <p:cNvPr id="1027" name="Picture 3" descr="D:\ForLoad\Win7Load\prot\250px-Структура_NPN_транзистора_и_его_токи.svg.png"/>
+          <p:cNvPr id="7" name="Picture 2" descr="\\Pn\сhange\516.gif"/>
           <p:cNvPicPr>
             <a:picLocks noChangeAspect="1" noChangeArrowheads="1"/>
           </p:cNvPicPr>
           <p:nvPr/>
         </p:nvPicPr>
         <p:blipFill>
-          <a:blip r:embed="rId5" cstate="print">
-            <a:lum bright="35000"/>
-          </a:blip>
-          <a:srcRect/>
+          <a:blip r:embed="rId5" cstate="print"/>
           <a:stretch>
             <a:fillRect/>
           </a:stretch>
         </p:blipFill>
         <p:spPr bwMode="auto">
           <a:xfrm>
-            <a:off x="1691680" y="4653136"/>
-            <a:ext cx="2736304" cy="1751234"/>
+            <a:off x="1763688" y="3411052"/>
+            <a:ext cx="5760640" cy="3169227"/>
           </a:xfrm>
           <a:prstGeom prst="rect">
             <a:avLst/>
@@ -3752,75 +3811,6 @@
           <a:noFill/>
         </p:spPr>
       </p:pic>
-      <p:sp>
-        <p:nvSpPr>
-          <p:cNvPr id="2" name="Заголовок 1"/>
-          <p:cNvSpPr>
-            <a:spLocks noGrp="1"/>
-          </p:cNvSpPr>
-          <p:nvPr>
-            <p:ph type="ctrTitle"/>
-          </p:nvPr>
-        </p:nvSpPr>
-        <p:spPr>
-          <a:xfrm>
-            <a:off x="395536" y="1844824"/>
-            <a:ext cx="8229600" cy="1828800"/>
-          </a:xfrm>
-        </p:spPr>
-        <p:txBody>
-          <a:bodyPr anchor="ctr">
-            <a:normAutofit fontScale="90000"/>
-          </a:bodyPr>
-          <a:lstStyle/>
-          <a:p>
-            <a:r>
-              <a:rPr lang="uk-UA" b="1" cap="all" dirty="0"/>
-              <a:t>Вимірювання та відображення характеристик напівпровідникових Транзисторів </a:t>
-            </a:r>
-            <a:r>
-              <a:rPr lang="uk-UA" b="1" cap="all" dirty="0" smtClean="0"/>
-              <a:t>засобами </a:t>
-            </a:r>
-            <a:r>
-              <a:rPr lang="uk-UA" b="1" cap="all" dirty="0"/>
-              <a:t>тривимірної графіки</a:t>
-            </a:r>
-            <a:r>
-              <a:rPr lang="ru-RU" dirty="0"/>
-              <a:t/>
-            </a:r>
-            <a:br>
-              <a:rPr lang="ru-RU" dirty="0"/>
-            </a:br>
-            <a:endParaRPr lang="ru-RU" dirty="0"/>
-          </a:p>
-        </p:txBody>
-      </p:sp>
-      <p:sp>
-        <p:nvSpPr>
-          <p:cNvPr id="9" name="Номер слайда 8"/>
-          <p:cNvSpPr>
-            <a:spLocks noGrp="1"/>
-          </p:cNvSpPr>
-          <p:nvPr>
-            <p:ph type="sldNum" sz="quarter" idx="12"/>
-          </p:nvPr>
-        </p:nvSpPr>
-        <p:spPr/>
-        <p:txBody>
-          <a:bodyPr/>
-          <a:lstStyle/>
-          <a:p>
-            <a:fld id="{679C4B18-9BFA-4BD6-A2FF-5FD9619786E0}" type="slidenum">
-              <a:rPr lang="ru-RU" smtClean="0"/>
-              <a:pPr/>
-              <a:t>1</a:t>
-            </a:fld>
-            <a:endParaRPr lang="ru-RU"/>
-          </a:p>
-        </p:txBody>
-      </p:sp>
     </p:spTree>
   </p:cSld>
   <p:clrMapOvr>
@@ -3855,162 +3845,50 @@
       </p:grpSpPr>
       <p:sp>
         <p:nvSpPr>
-          <p:cNvPr id="5" name="Заголовок 4"/>
+          <p:cNvPr id="2" name="Заголовок 1"/>
           <p:cNvSpPr>
             <a:spLocks noGrp="1"/>
           </p:cNvSpPr>
           <p:nvPr>
             <p:ph type="title"/>
-          </p:nvPr>
-        </p:nvSpPr>
-        <p:spPr/>
-        <p:txBody>
-          <a:bodyPr>
-            <a:normAutofit/>
-          </a:bodyPr>
-          <a:lstStyle/>
-          <a:p>
-            <a:r>
-              <a:rPr lang="uk-UA" dirty="0" smtClean="0"/>
-              <a:t>Робота з тривимірною графікою</a:t>
-            </a:r>
-            <a:endParaRPr lang="ru-RU" dirty="0"/>
-          </a:p>
-        </p:txBody>
-      </p:sp>
-      <p:sp>
-        <p:nvSpPr>
-          <p:cNvPr id="6" name="Содержимое 5"/>
-          <p:cNvSpPr>
-            <a:spLocks noGrp="1"/>
-          </p:cNvSpPr>
-          <p:nvPr>
-            <p:ph sz="half" idx="1"/>
           </p:nvPr>
         </p:nvSpPr>
         <p:spPr>
           <a:xfrm>
-            <a:off x="4860032" y="1340768"/>
-            <a:ext cx="4038600" cy="2404864"/>
+            <a:off x="457200" y="274638"/>
+            <a:ext cx="5554960" cy="1143000"/>
           </a:xfrm>
         </p:spPr>
         <p:txBody>
           <a:bodyPr>
-            <a:normAutofit fontScale="92500" lnSpcReduction="20000"/>
+            <a:normAutofit fontScale="90000"/>
           </a:bodyPr>
           <a:lstStyle/>
           <a:p>
-            <a:pPr>
-              <a:buNone/>
-            </a:pPr>
             <a:r>
               <a:rPr lang="uk-UA" dirty="0" smtClean="0"/>
-              <a:t>Структура вершини:</a:t>
-            </a:r>
-          </a:p>
-          <a:p>
-            <a:r>
-              <a:rPr lang="uk-UA" dirty="0" smtClean="0"/>
-              <a:t>Координати (</a:t>
-            </a:r>
-            <a:r>
-              <a:rPr lang="en-US" dirty="0" smtClean="0"/>
-              <a:t>x, y, z)</a:t>
-            </a:r>
-            <a:endParaRPr lang="uk-UA" dirty="0" smtClean="0"/>
-          </a:p>
-          <a:p>
-            <a:r>
-              <a:rPr lang="uk-UA" dirty="0" smtClean="0"/>
-              <a:t>Нормаль (</a:t>
-            </a:r>
-            <a:r>
-              <a:rPr lang="en-US" dirty="0" smtClean="0"/>
-              <a:t>x, y, z)</a:t>
-            </a:r>
-            <a:endParaRPr lang="uk-UA" dirty="0" smtClean="0"/>
-          </a:p>
-          <a:p>
-            <a:r>
-              <a:rPr lang="uk-UA" dirty="0" smtClean="0"/>
-              <a:t>Текстура (</a:t>
-            </a:r>
-            <a:r>
-              <a:rPr lang="en-US" dirty="0" smtClean="0"/>
-              <a:t>x, y)</a:t>
-            </a:r>
-            <a:endParaRPr lang="uk-UA" dirty="0" smtClean="0"/>
-          </a:p>
-          <a:p>
-            <a:r>
-              <a:rPr lang="uk-UA" dirty="0" smtClean="0"/>
-              <a:t>Колір </a:t>
-            </a:r>
-            <a:r>
-              <a:rPr lang="en-US" dirty="0" smtClean="0"/>
-              <a:t> (RGBA, 32 </a:t>
-            </a:r>
-            <a:r>
-              <a:rPr lang="uk-UA" dirty="0" smtClean="0"/>
-              <a:t>біти)</a:t>
-            </a:r>
-          </a:p>
-          <a:p>
-            <a:pPr>
-              <a:buNone/>
-            </a:pPr>
-            <a:r>
-              <a:rPr lang="uk-UA" dirty="0" smtClean="0"/>
-              <a:t>Індекси</a:t>
-            </a:r>
-          </a:p>
-          <a:p>
-            <a:pPr>
-              <a:buNone/>
-            </a:pPr>
+              <a:t>Алгоритм побудови поверхні</a:t>
+            </a:r>
             <a:endParaRPr lang="ru-RU" dirty="0"/>
           </a:p>
         </p:txBody>
       </p:sp>
-      <p:pic>
-        <p:nvPicPr>
-          <p:cNvPr id="1026" name="Picture 2" descr="D:\Diplom\TempDocs\Report\t\3d.png"/>
-          <p:cNvPicPr>
-            <a:picLocks noGrp="1" noChangeAspect="1" noChangeArrowheads="1"/>
-          </p:cNvPicPr>
-          <p:nvPr>
-            <p:ph sz="half" idx="2"/>
-          </p:nvPr>
-        </p:nvPicPr>
-        <p:blipFill>
-          <a:blip r:embed="rId2" cstate="print"/>
-          <a:srcRect/>
-          <a:stretch>
-            <a:fillRect/>
-          </a:stretch>
-        </p:blipFill>
-        <p:spPr bwMode="auto">
+      <p:sp>
+        <p:nvSpPr>
+          <p:cNvPr id="12" name="Номер слайда 11"/>
+          <p:cNvSpPr>
+            <a:spLocks noGrp="1"/>
+          </p:cNvSpPr>
+          <p:nvPr>
+            <p:ph type="sldNum" sz="quarter" idx="12"/>
+          </p:nvPr>
+        </p:nvSpPr>
+        <p:spPr>
           <a:xfrm>
-            <a:off x="683568" y="4005064"/>
-            <a:ext cx="7920880" cy="2253154"/>
-          </a:xfrm>
-          <a:prstGeom prst="rect">
-            <a:avLst/>
-          </a:prstGeom>
-          <a:noFill/>
-        </p:spPr>
-      </p:pic>
-      <p:sp>
-        <p:nvSpPr>
-          <p:cNvPr id="13" name="Номер слайда 12"/>
-          <p:cNvSpPr>
-            <a:spLocks noGrp="1"/>
-          </p:cNvSpPr>
-          <p:nvPr>
-            <p:ph type="sldNum" sz="quarter" idx="12"/>
-          </p:nvPr>
-        </p:nvSpPr>
-        <p:spPr/>
+            <a:off x="8028384" y="6309320"/>
+            <a:ext cx="762000" cy="365125"/>
+          </a:xfrm>
+        </p:spPr>
         <p:txBody>
           <a:bodyPr/>
           <a:lstStyle/>
@@ -4026,69 +3904,7 @@
       </p:sp>
       <p:sp>
         <p:nvSpPr>
-          <p:cNvPr id="9" name="TextBox 8"/>
-          <p:cNvSpPr txBox="1"/>
-          <p:nvPr/>
-        </p:nvSpPr>
-        <p:spPr>
-          <a:xfrm rot="-2700000">
-            <a:off x="1438563" y="2188812"/>
-            <a:ext cx="1367841" cy="461665"/>
-          </a:xfrm>
-          <a:prstGeom prst="rect">
-            <a:avLst/>
-          </a:prstGeom>
-          <a:noFill/>
-        </p:spPr>
-        <p:txBody>
-          <a:bodyPr wrap="square" rtlCol="0">
-            <a:spAutoFit/>
-          </a:bodyPr>
-          <a:lstStyle/>
-          <a:p>
-            <a:pPr algn="ctr"/>
-            <a:r>
-              <a:rPr lang="uk-UA" sz="2400" dirty="0" smtClean="0"/>
-              <a:t>Полігон</a:t>
-            </a:r>
-            <a:endParaRPr lang="ru-RU" sz="2400" dirty="0"/>
-          </a:p>
-        </p:txBody>
-      </p:sp>
-      <p:sp>
-        <p:nvSpPr>
-          <p:cNvPr id="10" name="TextBox 9"/>
-          <p:cNvSpPr txBox="1"/>
-          <p:nvPr/>
-        </p:nvSpPr>
-        <p:spPr>
-          <a:xfrm rot="-2700000">
-            <a:off x="2014627" y="2620859"/>
-            <a:ext cx="1367841" cy="461665"/>
-          </a:xfrm>
-          <a:prstGeom prst="rect">
-            <a:avLst/>
-          </a:prstGeom>
-          <a:noFill/>
-        </p:spPr>
-        <p:txBody>
-          <a:bodyPr wrap="square" rtlCol="0">
-            <a:spAutoFit/>
-          </a:bodyPr>
-          <a:lstStyle/>
-          <a:p>
-            <a:pPr algn="ctr"/>
-            <a:r>
-              <a:rPr lang="uk-UA" sz="2400" dirty="0" smtClean="0"/>
-              <a:t>Полігон</a:t>
-            </a:r>
-            <a:endParaRPr lang="ru-RU" sz="2400" dirty="0"/>
-          </a:p>
-        </p:txBody>
-      </p:sp>
-      <p:sp>
-        <p:nvSpPr>
-          <p:cNvPr id="17410" name="Rectangle 2"/>
+          <p:cNvPr id="21506" name="Rectangle 2"/>
           <p:cNvSpPr>
             <a:spLocks noChangeArrowheads="1"/>
           </p:cNvSpPr>
@@ -4124,9 +3940,123 @@
           </a:p>
         </p:txBody>
       </p:sp>
+      <p:sp>
+        <p:nvSpPr>
+          <p:cNvPr id="21508" name="Rectangle 4"/>
+          <p:cNvSpPr>
+            <a:spLocks noChangeArrowheads="1"/>
+          </p:cNvSpPr>
+          <p:nvPr/>
+        </p:nvSpPr>
+        <p:spPr bwMode="auto">
+          <a:xfrm>
+            <a:off x="0" y="0"/>
+            <a:ext cx="9144000" cy="457200"/>
+          </a:xfrm>
+          <a:prstGeom prst="rect">
+            <a:avLst/>
+          </a:prstGeom>
+          <a:noFill/>
+          <a:ln w="9525">
+            <a:noFill/>
+            <a:miter lim="800000"/>
+            <a:headEnd/>
+            <a:tailEnd/>
+          </a:ln>
+          <a:effectLst/>
+        </p:spPr>
+        <p:txBody>
+          <a:bodyPr vert="horz" wrap="none" lIns="91440" tIns="45720" rIns="91440" bIns="45720" numCol="1" anchor="ctr" anchorCtr="0" compatLnSpc="1">
+            <a:prstTxWarp prst="textNoShape">
+              <a:avLst/>
+            </a:prstTxWarp>
+            <a:spAutoFit/>
+          </a:bodyPr>
+          <a:lstStyle/>
+          <a:p>
+            <a:endParaRPr lang="ru-RU"/>
+          </a:p>
+        </p:txBody>
+      </p:sp>
+      <p:sp>
+        <p:nvSpPr>
+          <p:cNvPr id="21510" name="Rectangle 6"/>
+          <p:cNvSpPr>
+            <a:spLocks noChangeArrowheads="1"/>
+          </p:cNvSpPr>
+          <p:nvPr/>
+        </p:nvSpPr>
+        <p:spPr bwMode="auto">
+          <a:xfrm>
+            <a:off x="0" y="0"/>
+            <a:ext cx="9144000" cy="457200"/>
+          </a:xfrm>
+          <a:prstGeom prst="rect">
+            <a:avLst/>
+          </a:prstGeom>
+          <a:noFill/>
+          <a:ln w="9525">
+            <a:noFill/>
+            <a:miter lim="800000"/>
+            <a:headEnd/>
+            <a:tailEnd/>
+          </a:ln>
+          <a:effectLst/>
+        </p:spPr>
+        <p:txBody>
+          <a:bodyPr vert="horz" wrap="none" lIns="91440" tIns="45720" rIns="91440" bIns="45720" numCol="1" anchor="ctr" anchorCtr="0" compatLnSpc="1">
+            <a:prstTxWarp prst="textNoShape">
+              <a:avLst/>
+            </a:prstTxWarp>
+            <a:spAutoFit/>
+          </a:bodyPr>
+          <a:lstStyle/>
+          <a:p>
+            <a:endParaRPr lang="ru-RU"/>
+          </a:p>
+        </p:txBody>
+      </p:sp>
+      <p:sp>
+        <p:nvSpPr>
+          <p:cNvPr id="21512" name="Rectangle 8"/>
+          <p:cNvSpPr>
+            <a:spLocks noChangeArrowheads="1"/>
+          </p:cNvSpPr>
+          <p:nvPr/>
+        </p:nvSpPr>
+        <p:spPr bwMode="auto">
+          <a:xfrm>
+            <a:off x="0" y="0"/>
+            <a:ext cx="9144000" cy="457200"/>
+          </a:xfrm>
+          <a:prstGeom prst="rect">
+            <a:avLst/>
+          </a:prstGeom>
+          <a:noFill/>
+          <a:ln w="9525">
+            <a:noFill/>
+            <a:miter lim="800000"/>
+            <a:headEnd/>
+            <a:tailEnd/>
+          </a:ln>
+          <a:effectLst/>
+        </p:spPr>
+        <p:txBody>
+          <a:bodyPr vert="horz" wrap="none" lIns="91440" tIns="45720" rIns="91440" bIns="45720" numCol="1" anchor="ctr" anchorCtr="0" compatLnSpc="1">
+            <a:prstTxWarp prst="textNoShape">
+              <a:avLst/>
+            </a:prstTxWarp>
+            <a:spAutoFit/>
+          </a:bodyPr>
+          <a:lstStyle/>
+          <a:p>
+            <a:endParaRPr lang="ru-RU"/>
+          </a:p>
+        </p:txBody>
+      </p:sp>
       <p:pic>
         <p:nvPicPr>
-          <p:cNvPr id="17409" name="Рисунок 1"/>
+          <p:cNvPr id="21511" name="Рисунок 9"/>
           <p:cNvPicPr>
             <a:picLocks noChangeAspect="1" noChangeArrowheads="1"/>
           </p:cNvPicPr>
@@ -4141,13 +4071,43 @@
         </p:blipFill>
         <p:spPr bwMode="auto">
           <a:xfrm>
-            <a:off x="323528" y="1556792"/>
-            <a:ext cx="4248473" cy="2311669"/>
+            <a:off x="2987824" y="332656"/>
+            <a:ext cx="5837216" cy="6192688"/>
           </a:xfrm>
           <a:prstGeom prst="rect">
             <a:avLst/>
           </a:prstGeom>
           <a:noFill/>
+        </p:spPr>
+      </p:pic>
+      <p:pic>
+        <p:nvPicPr>
+          <p:cNvPr id="10" name="Рисунок 9"/>
+          <p:cNvPicPr/>
+          <p:nvPr/>
+        </p:nvPicPr>
+        <p:blipFill>
+          <a:blip r:embed="rId4" cstate="print"/>
+          <a:srcRect/>
+          <a:stretch>
+            <a:fillRect/>
+          </a:stretch>
+        </p:blipFill>
+        <p:spPr bwMode="auto">
+          <a:xfrm>
+            <a:off x="755576" y="2996952"/>
+            <a:ext cx="3888432" cy="3413566"/>
+          </a:xfrm>
+          <a:prstGeom prst="rect">
+            <a:avLst/>
+          </a:prstGeom>
+          <a:noFill/>
+          <a:ln w="9525">
+            <a:noFill/>
+            <a:miter lim="800000"/>
+            <a:headEnd/>
+            <a:tailEnd/>
+          </a:ln>
         </p:spPr>
       </p:pic>
     </p:spTree>
@@ -4195,7 +4155,7 @@
         <p:spPr>
           <a:xfrm>
             <a:off x="457200" y="274638"/>
-            <a:ext cx="5554960" cy="1143000"/>
+            <a:ext cx="3826768" cy="1143000"/>
           </a:xfrm>
         </p:spPr>
         <p:txBody>
@@ -4206,7 +4166,7 @@
           <a:p>
             <a:r>
               <a:rPr lang="uk-UA" dirty="0" smtClean="0"/>
-              <a:t>Алгоритм побудови поверхні</a:t>
+              <a:t>Алгоритм побудови сітки</a:t>
             </a:r>
             <a:endParaRPr lang="ru-RU" dirty="0"/>
           </a:p>
@@ -4214,20 +4174,69 @@
       </p:sp>
       <p:sp>
         <p:nvSpPr>
-          <p:cNvPr id="12" name="Номер слайда 11"/>
-          <p:cNvSpPr>
-            <a:spLocks noGrp="1"/>
-          </p:cNvSpPr>
-          <p:nvPr>
-            <p:ph type="sldNum" sz="quarter" idx="12"/>
+          <p:cNvPr id="3" name="Содержимое 2"/>
+          <p:cNvSpPr>
+            <a:spLocks noGrp="1"/>
+          </p:cNvSpPr>
+          <p:nvPr>
+            <p:ph idx="1"/>
           </p:nvPr>
         </p:nvSpPr>
         <p:spPr>
           <a:xfrm>
-            <a:off x="8028384" y="6309320"/>
-            <a:ext cx="762000" cy="365125"/>
-          </a:xfrm>
-        </p:spPr>
+            <a:off x="323528" y="5085184"/>
+            <a:ext cx="5544616" cy="1080120"/>
+          </a:xfrm>
+        </p:spPr>
+        <p:txBody>
+          <a:bodyPr/>
+          <a:lstStyle/>
+          <a:p>
+            <a:pPr algn="just">
+              <a:buNone/>
+            </a:pPr>
+            <a:r>
+              <a:rPr lang="en-US" sz="2000" dirty="0" smtClean="0"/>
+              <a:t>v1, v2 –</a:t>
+            </a:r>
+            <a:r>
+              <a:rPr lang="uk-UA" sz="2000" dirty="0" smtClean="0"/>
+              <a:t>початкова та кінцева точки;</a:t>
+            </a:r>
+            <a:endParaRPr lang="en-US" sz="2000" dirty="0" smtClean="0"/>
+          </a:p>
+          <a:p>
+            <a:pPr algn="just">
+              <a:buNone/>
+            </a:pPr>
+            <a:r>
+              <a:rPr lang="en-US" sz="2000" dirty="0" smtClean="0"/>
+              <a:t>Object – </a:t>
+            </a:r>
+            <a:r>
+              <a:rPr lang="uk-UA" sz="2000" dirty="0" smtClean="0"/>
+              <a:t>клас об'єкта в тривимірному просторі;</a:t>
+            </a:r>
+          </a:p>
+          <a:p>
+            <a:pPr>
+              <a:buNone/>
+            </a:pPr>
+            <a:endParaRPr lang="ru-RU" dirty="0"/>
+          </a:p>
+        </p:txBody>
+      </p:sp>
+      <p:sp>
+        <p:nvSpPr>
+          <p:cNvPr id="13" name="Номер слайда 12"/>
+          <p:cNvSpPr>
+            <a:spLocks noGrp="1"/>
+          </p:cNvSpPr>
+          <p:nvPr>
+            <p:ph type="sldNum" sz="quarter" idx="12"/>
+          </p:nvPr>
+        </p:nvSpPr>
+        <p:spPr/>
         <p:txBody>
           <a:bodyPr/>
           <a:lstStyle/>
@@ -4243,7 +4252,7 @@
       </p:sp>
       <p:sp>
         <p:nvSpPr>
-          <p:cNvPr id="21506" name="Rectangle 2"/>
+          <p:cNvPr id="1026" name="Rectangle 2"/>
           <p:cNvSpPr>
             <a:spLocks noChangeArrowheads="1"/>
           </p:cNvSpPr>
@@ -4279,123 +4288,35 @@
           </a:p>
         </p:txBody>
       </p:sp>
-      <p:sp>
-        <p:nvSpPr>
-          <p:cNvPr id="21508" name="Rectangle 4"/>
-          <p:cNvSpPr>
-            <a:spLocks noChangeArrowheads="1"/>
-          </p:cNvSpPr>
+      <p:pic>
+        <p:nvPicPr>
+          <p:cNvPr id="1025" name="Рисунок 1"/>
+          <p:cNvPicPr>
+            <a:picLocks noChangeAspect="1" noChangeArrowheads="1"/>
+          </p:cNvPicPr>
           <p:nvPr/>
-        </p:nvSpPr>
+        </p:nvPicPr>
+        <p:blipFill>
+          <a:blip r:embed="rId2" cstate="print"/>
+          <a:srcRect/>
+          <a:stretch>
+            <a:fillRect/>
+          </a:stretch>
+        </p:blipFill>
         <p:spPr bwMode="auto">
           <a:xfrm>
-            <a:off x="0" y="0"/>
-            <a:ext cx="9144000" cy="457200"/>
+            <a:off x="4572000" y="332656"/>
+            <a:ext cx="4200525" cy="6057900"/>
           </a:xfrm>
           <a:prstGeom prst="rect">
             <a:avLst/>
           </a:prstGeom>
           <a:noFill/>
-          <a:ln w="9525">
-            <a:noFill/>
-            <a:miter lim="800000"/>
-            <a:headEnd/>
-            <a:tailEnd/>
-          </a:ln>
-          <a:effectLst/>
-        </p:spPr>
-        <p:txBody>
-          <a:bodyPr vert="horz" wrap="none" lIns="91440" tIns="45720" rIns="91440" bIns="45720" numCol="1" anchor="ctr" anchorCtr="0" compatLnSpc="1">
-            <a:prstTxWarp prst="textNoShape">
-              <a:avLst/>
-            </a:prstTxWarp>
-            <a:spAutoFit/>
-          </a:bodyPr>
-          <a:lstStyle/>
-          <a:p>
-            <a:endParaRPr lang="ru-RU"/>
-          </a:p>
-        </p:txBody>
-      </p:sp>
-      <p:sp>
-        <p:nvSpPr>
-          <p:cNvPr id="21510" name="Rectangle 6"/>
-          <p:cNvSpPr>
-            <a:spLocks noChangeArrowheads="1"/>
-          </p:cNvSpPr>
-          <p:nvPr/>
-        </p:nvSpPr>
-        <p:spPr bwMode="auto">
-          <a:xfrm>
-            <a:off x="0" y="0"/>
-            <a:ext cx="9144000" cy="457200"/>
-          </a:xfrm>
-          <a:prstGeom prst="rect">
-            <a:avLst/>
-          </a:prstGeom>
-          <a:noFill/>
-          <a:ln w="9525">
-            <a:noFill/>
-            <a:miter lim="800000"/>
-            <a:headEnd/>
-            <a:tailEnd/>
-          </a:ln>
-          <a:effectLst/>
-        </p:spPr>
-        <p:txBody>
-          <a:bodyPr vert="horz" wrap="none" lIns="91440" tIns="45720" rIns="91440" bIns="45720" numCol="1" anchor="ctr" anchorCtr="0" compatLnSpc="1">
-            <a:prstTxWarp prst="textNoShape">
-              <a:avLst/>
-            </a:prstTxWarp>
-            <a:spAutoFit/>
-          </a:bodyPr>
-          <a:lstStyle/>
-          <a:p>
-            <a:endParaRPr lang="ru-RU"/>
-          </a:p>
-        </p:txBody>
-      </p:sp>
-      <p:sp>
-        <p:nvSpPr>
-          <p:cNvPr id="21512" name="Rectangle 8"/>
-          <p:cNvSpPr>
-            <a:spLocks noChangeArrowheads="1"/>
-          </p:cNvSpPr>
-          <p:nvPr/>
-        </p:nvSpPr>
-        <p:spPr bwMode="auto">
-          <a:xfrm>
-            <a:off x="0" y="0"/>
-            <a:ext cx="9144000" cy="457200"/>
-          </a:xfrm>
-          <a:prstGeom prst="rect">
-            <a:avLst/>
-          </a:prstGeom>
-          <a:noFill/>
-          <a:ln w="9525">
-            <a:noFill/>
-            <a:miter lim="800000"/>
-            <a:headEnd/>
-            <a:tailEnd/>
-          </a:ln>
-          <a:effectLst/>
-        </p:spPr>
-        <p:txBody>
-          <a:bodyPr vert="horz" wrap="none" lIns="91440" tIns="45720" rIns="91440" bIns="45720" numCol="1" anchor="ctr" anchorCtr="0" compatLnSpc="1">
-            <a:prstTxWarp prst="textNoShape">
-              <a:avLst/>
-            </a:prstTxWarp>
-            <a:spAutoFit/>
-          </a:bodyPr>
-          <a:lstStyle/>
-          <a:p>
-            <a:endParaRPr lang="ru-RU"/>
-          </a:p>
-        </p:txBody>
-      </p:sp>
+        </p:spPr>
+      </p:pic>
       <p:pic>
         <p:nvPicPr>
-          <p:cNvPr id="21511" name="Рисунок 9"/>
+          <p:cNvPr id="4" name="Picture 2" descr="D:\Diplom\TempDocs\Report\gridElement.png"/>
           <p:cNvPicPr>
             <a:picLocks noChangeAspect="1" noChangeArrowheads="1"/>
           </p:cNvPicPr>
@@ -4410,8 +4331,8 @@
         </p:blipFill>
         <p:spPr bwMode="auto">
           <a:xfrm>
-            <a:off x="2987824" y="332656"/>
-            <a:ext cx="5837216" cy="6192688"/>
+            <a:off x="1259632" y="1988840"/>
+            <a:ext cx="2114550" cy="2171700"/>
           </a:xfrm>
           <a:prstGeom prst="rect">
             <a:avLst/>
@@ -4419,36 +4340,66 @@
           <a:noFill/>
         </p:spPr>
       </p:pic>
-      <p:pic>
-        <p:nvPicPr>
-          <p:cNvPr id="10" name="Рисунок 9"/>
-          <p:cNvPicPr/>
+      <p:sp>
+        <p:nvSpPr>
+          <p:cNvPr id="7" name="TextBox 6"/>
+          <p:cNvSpPr txBox="1"/>
           <p:nvPr/>
-        </p:nvPicPr>
-        <p:blipFill>
-          <a:blip r:embed="rId4" cstate="print"/>
-          <a:srcRect/>
-          <a:stretch>
-            <a:fillRect/>
-          </a:stretch>
-        </p:blipFill>
-        <p:spPr bwMode="auto">
+        </p:nvSpPr>
+        <p:spPr>
           <a:xfrm>
-            <a:off x="755576" y="2996952"/>
-            <a:ext cx="3888432" cy="3413566"/>
+            <a:off x="1331640" y="4149080"/>
+            <a:ext cx="1584176" cy="369332"/>
           </a:xfrm>
           <a:prstGeom prst="rect">
             <a:avLst/>
           </a:prstGeom>
           <a:noFill/>
-          <a:ln w="9525">
-            <a:noFill/>
-            <a:miter lim="800000"/>
-            <a:headEnd/>
-            <a:tailEnd/>
-          </a:ln>
-        </p:spPr>
-      </p:pic>
+        </p:spPr>
+        <p:txBody>
+          <a:bodyPr wrap="square" rtlCol="0">
+            <a:spAutoFit/>
+          </a:bodyPr>
+          <a:lstStyle/>
+          <a:p>
+            <a:r>
+              <a:rPr lang="en-US" dirty="0" smtClean="0"/>
+              <a:t>v1 (x1, y1, z1)</a:t>
+            </a:r>
+            <a:endParaRPr lang="ru-RU" dirty="0"/>
+          </a:p>
+        </p:txBody>
+      </p:sp>
+      <p:sp>
+        <p:nvSpPr>
+          <p:cNvPr id="9" name="TextBox 8"/>
+          <p:cNvSpPr txBox="1"/>
+          <p:nvPr/>
+        </p:nvSpPr>
+        <p:spPr>
+          <a:xfrm>
+            <a:off x="2627784" y="1628800"/>
+            <a:ext cx="1584176" cy="369332"/>
+          </a:xfrm>
+          <a:prstGeom prst="rect">
+            <a:avLst/>
+          </a:prstGeom>
+          <a:noFill/>
+        </p:spPr>
+        <p:txBody>
+          <a:bodyPr wrap="square" rtlCol="0">
+            <a:spAutoFit/>
+          </a:bodyPr>
+          <a:lstStyle/>
+          <a:p>
+            <a:r>
+              <a:rPr lang="en-US" dirty="0" smtClean="0"/>
+              <a:t>v2 (x2, y2, z2)</a:t>
+            </a:r>
+            <a:endParaRPr lang="ru-RU" dirty="0"/>
+          </a:p>
+        </p:txBody>
+      </p:sp>
     </p:spTree>
   </p:cSld>
   <p:clrMapOvr>
@@ -4494,18 +4445,16 @@
         <p:spPr>
           <a:xfrm>
             <a:off x="457200" y="274638"/>
-            <a:ext cx="3826768" cy="1143000"/>
-          </a:xfrm>
-        </p:spPr>
-        <p:txBody>
-          <a:bodyPr>
-            <a:normAutofit fontScale="90000"/>
-          </a:bodyPr>
+            <a:ext cx="8229600" cy="994122"/>
+          </a:xfrm>
+        </p:spPr>
+        <p:txBody>
+          <a:bodyPr/>
           <a:lstStyle/>
           <a:p>
             <a:r>
               <a:rPr lang="uk-UA" dirty="0" smtClean="0"/>
-              <a:t>Алгоритм побудови сітки</a:t>
+              <a:t>Висновки</a:t>
             </a:r>
             <a:endParaRPr lang="ru-RU" dirty="0"/>
           </a:p>
@@ -4513,61 +4462,7 @@
       </p:sp>
       <p:sp>
         <p:nvSpPr>
-          <p:cNvPr id="3" name="Содержимое 2"/>
-          <p:cNvSpPr>
-            <a:spLocks noGrp="1"/>
-          </p:cNvSpPr>
-          <p:nvPr>
-            <p:ph idx="1"/>
-          </p:nvPr>
-        </p:nvSpPr>
-        <p:spPr>
-          <a:xfrm>
-            <a:off x="323528" y="5085184"/>
-            <a:ext cx="5544616" cy="1080120"/>
-          </a:xfrm>
-        </p:spPr>
-        <p:txBody>
-          <a:bodyPr/>
-          <a:lstStyle/>
-          <a:p>
-            <a:pPr algn="just">
-              <a:buNone/>
-            </a:pPr>
-            <a:r>
-              <a:rPr lang="en-US" sz="2000" dirty="0" smtClean="0"/>
-              <a:t>v1, v2 –</a:t>
-            </a:r>
-            <a:r>
-              <a:rPr lang="uk-UA" sz="2000" dirty="0" smtClean="0"/>
-              <a:t>початкова та кінцева точки;</a:t>
-            </a:r>
-            <a:endParaRPr lang="en-US" sz="2000" dirty="0" smtClean="0"/>
-          </a:p>
-          <a:p>
-            <a:pPr algn="just">
-              <a:buNone/>
-            </a:pPr>
-            <a:r>
-              <a:rPr lang="en-US" sz="2000" dirty="0" smtClean="0"/>
-              <a:t>Object – </a:t>
-            </a:r>
-            <a:r>
-              <a:rPr lang="uk-UA" sz="2000" dirty="0" smtClean="0"/>
-              <a:t>клас об'єкта в тривимірному просторі;</a:t>
-            </a:r>
-          </a:p>
-          <a:p>
-            <a:pPr>
-              <a:buNone/>
-            </a:pPr>
-            <a:endParaRPr lang="ru-RU" dirty="0"/>
-          </a:p>
-        </p:txBody>
-      </p:sp>
-      <p:sp>
-        <p:nvSpPr>
-          <p:cNvPr id="13" name="Номер слайда 12"/>
+          <p:cNvPr id="8" name="Номер слайда 7"/>
           <p:cNvSpPr>
             <a:spLocks noGrp="1"/>
           </p:cNvSpPr>
@@ -4584,240 +4479,6 @@
               <a:rPr lang="ru-RU" smtClean="0"/>
               <a:pPr/>
               <a:t>12</a:t>
-            </a:fld>
-            <a:endParaRPr lang="ru-RU"/>
-          </a:p>
-        </p:txBody>
-      </p:sp>
-      <p:sp>
-        <p:nvSpPr>
-          <p:cNvPr id="1026" name="Rectangle 2"/>
-          <p:cNvSpPr>
-            <a:spLocks noChangeArrowheads="1"/>
-          </p:cNvSpPr>
-          <p:nvPr/>
-        </p:nvSpPr>
-        <p:spPr bwMode="auto">
-          <a:xfrm>
-            <a:off x="0" y="0"/>
-            <a:ext cx="9144000" cy="457200"/>
-          </a:xfrm>
-          <a:prstGeom prst="rect">
-            <a:avLst/>
-          </a:prstGeom>
-          <a:noFill/>
-          <a:ln w="9525">
-            <a:noFill/>
-            <a:miter lim="800000"/>
-            <a:headEnd/>
-            <a:tailEnd/>
-          </a:ln>
-          <a:effectLst/>
-        </p:spPr>
-        <p:txBody>
-          <a:bodyPr vert="horz" wrap="none" lIns="91440" tIns="45720" rIns="91440" bIns="45720" numCol="1" anchor="ctr" anchorCtr="0" compatLnSpc="1">
-            <a:prstTxWarp prst="textNoShape">
-              <a:avLst/>
-            </a:prstTxWarp>
-            <a:spAutoFit/>
-          </a:bodyPr>
-          <a:lstStyle/>
-          <a:p>
-            <a:endParaRPr lang="ru-RU"/>
-          </a:p>
-        </p:txBody>
-      </p:sp>
-      <p:pic>
-        <p:nvPicPr>
-          <p:cNvPr id="1025" name="Рисунок 1"/>
-          <p:cNvPicPr>
-            <a:picLocks noChangeAspect="1" noChangeArrowheads="1"/>
-          </p:cNvPicPr>
-          <p:nvPr/>
-        </p:nvPicPr>
-        <p:blipFill>
-          <a:blip r:embed="rId2" cstate="print"/>
-          <a:srcRect/>
-          <a:stretch>
-            <a:fillRect/>
-          </a:stretch>
-        </p:blipFill>
-        <p:spPr bwMode="auto">
-          <a:xfrm>
-            <a:off x="4572000" y="332656"/>
-            <a:ext cx="4200525" cy="6057900"/>
-          </a:xfrm>
-          <a:prstGeom prst="rect">
-            <a:avLst/>
-          </a:prstGeom>
-          <a:noFill/>
-        </p:spPr>
-      </p:pic>
-      <p:pic>
-        <p:nvPicPr>
-          <p:cNvPr id="4" name="Picture 2" descr="D:\Diplom\TempDocs\Report\gridElement.png"/>
-          <p:cNvPicPr>
-            <a:picLocks noChangeAspect="1" noChangeArrowheads="1"/>
-          </p:cNvPicPr>
-          <p:nvPr/>
-        </p:nvPicPr>
-        <p:blipFill>
-          <a:blip r:embed="rId3" cstate="print"/>
-          <a:srcRect/>
-          <a:stretch>
-            <a:fillRect/>
-          </a:stretch>
-        </p:blipFill>
-        <p:spPr bwMode="auto">
-          <a:xfrm>
-            <a:off x="1259632" y="1988840"/>
-            <a:ext cx="2114550" cy="2171700"/>
-          </a:xfrm>
-          <a:prstGeom prst="rect">
-            <a:avLst/>
-          </a:prstGeom>
-          <a:noFill/>
-        </p:spPr>
-      </p:pic>
-      <p:sp>
-        <p:nvSpPr>
-          <p:cNvPr id="7" name="TextBox 6"/>
-          <p:cNvSpPr txBox="1"/>
-          <p:nvPr/>
-        </p:nvSpPr>
-        <p:spPr>
-          <a:xfrm>
-            <a:off x="1331640" y="4149080"/>
-            <a:ext cx="1584176" cy="369332"/>
-          </a:xfrm>
-          <a:prstGeom prst="rect">
-            <a:avLst/>
-          </a:prstGeom>
-          <a:noFill/>
-        </p:spPr>
-        <p:txBody>
-          <a:bodyPr wrap="square" rtlCol="0">
-            <a:spAutoFit/>
-          </a:bodyPr>
-          <a:lstStyle/>
-          <a:p>
-            <a:r>
-              <a:rPr lang="en-US" dirty="0" smtClean="0"/>
-              <a:t>v1 (x1, y1, z1)</a:t>
-            </a:r>
-            <a:endParaRPr lang="ru-RU" dirty="0"/>
-          </a:p>
-        </p:txBody>
-      </p:sp>
-      <p:sp>
-        <p:nvSpPr>
-          <p:cNvPr id="9" name="TextBox 8"/>
-          <p:cNvSpPr txBox="1"/>
-          <p:nvPr/>
-        </p:nvSpPr>
-        <p:spPr>
-          <a:xfrm>
-            <a:off x="2627784" y="1628800"/>
-            <a:ext cx="1584176" cy="369332"/>
-          </a:xfrm>
-          <a:prstGeom prst="rect">
-            <a:avLst/>
-          </a:prstGeom>
-          <a:noFill/>
-        </p:spPr>
-        <p:txBody>
-          <a:bodyPr wrap="square" rtlCol="0">
-            <a:spAutoFit/>
-          </a:bodyPr>
-          <a:lstStyle/>
-          <a:p>
-            <a:r>
-              <a:rPr lang="en-US" dirty="0" smtClean="0"/>
-              <a:t>v2 (x2, y2, z2)</a:t>
-            </a:r>
-            <a:endParaRPr lang="ru-RU" dirty="0"/>
-          </a:p>
-        </p:txBody>
-      </p:sp>
-    </p:spTree>
-  </p:cSld>
-  <p:clrMapOvr>
-    <a:masterClrMapping/>
-  </p:clrMapOvr>
-  <p:timing>
-    <p:tnLst>
-      <p:par>
-        <p:cTn id="1" dur="indefinite" restart="never" nodeType="tmRoot"/>
-      </p:par>
-    </p:tnLst>
-  </p:timing>
-</p:sld>
-</file>
-
-<file path=ppt/slides/slide13.xml><?xml version="1.0" encoding="utf-8"?>
-<p:sld xmlns:a="http://schemas.openxmlformats.org/drawingml/2006/main" xmlns:r="http://schemas.openxmlformats.org/officeDocument/2006/relationships" xmlns:p="http://schemas.openxmlformats.org/presentationml/2006/main">
-  <p:cSld>
-    <p:spTree>
-      <p:nvGrpSpPr>
-        <p:cNvPr id="1" name=""/>
-        <p:cNvGrpSpPr/>
-        <p:nvPr/>
-      </p:nvGrpSpPr>
-      <p:grpSpPr>
-        <a:xfrm>
-          <a:off x="0" y="0"/>
-          <a:ext cx="0" cy="0"/>
-          <a:chOff x="0" y="0"/>
-          <a:chExt cx="0" cy="0"/>
-        </a:xfrm>
-      </p:grpSpPr>
-      <p:sp>
-        <p:nvSpPr>
-          <p:cNvPr id="2" name="Заголовок 1"/>
-          <p:cNvSpPr>
-            <a:spLocks noGrp="1"/>
-          </p:cNvSpPr>
-          <p:nvPr>
-            <p:ph type="title"/>
-          </p:nvPr>
-        </p:nvSpPr>
-        <p:spPr>
-          <a:xfrm>
-            <a:off x="457200" y="274638"/>
-            <a:ext cx="8229600" cy="994122"/>
-          </a:xfrm>
-        </p:spPr>
-        <p:txBody>
-          <a:bodyPr/>
-          <a:lstStyle/>
-          <a:p>
-            <a:r>
-              <a:rPr lang="uk-UA" dirty="0" smtClean="0"/>
-              <a:t>Висновки</a:t>
-            </a:r>
-            <a:endParaRPr lang="ru-RU" dirty="0"/>
-          </a:p>
-        </p:txBody>
-      </p:sp>
-      <p:sp>
-        <p:nvSpPr>
-          <p:cNvPr id="8" name="Номер слайда 7"/>
-          <p:cNvSpPr>
-            <a:spLocks noGrp="1"/>
-          </p:cNvSpPr>
-          <p:nvPr>
-            <p:ph type="sldNum" sz="quarter" idx="12"/>
-          </p:nvPr>
-        </p:nvSpPr>
-        <p:spPr/>
-        <p:txBody>
-          <a:bodyPr/>
-          <a:lstStyle/>
-          <a:p>
-            <a:fld id="{679C4B18-9BFA-4BD6-A2FF-5FD9619786E0}" type="slidenum">
-              <a:rPr lang="ru-RU" smtClean="0"/>
-              <a:pPr/>
-              <a:t>13</a:t>
             </a:fld>
             <a:endParaRPr lang="ru-RU"/>
           </a:p>
@@ -4991,16 +4652,19 @@
             <p:ph type="title"/>
           </p:nvPr>
         </p:nvSpPr>
-        <p:spPr/>
-        <p:txBody>
-          <a:bodyPr>
-            <a:normAutofit fontScale="90000"/>
-          </a:bodyPr>
+        <p:spPr>
+          <a:xfrm>
+            <a:off x="395536" y="404664"/>
+            <a:ext cx="3898776" cy="864096"/>
+          </a:xfrm>
+        </p:spPr>
+        <p:txBody>
+          <a:bodyPr/>
           <a:lstStyle/>
           <a:p>
             <a:r>
               <a:rPr lang="uk-UA" dirty="0" smtClean="0"/>
-              <a:t>Класична форма подання характеристик</a:t>
+              <a:t>Л2-100 ТЕКО</a:t>
             </a:r>
             <a:endParaRPr lang="ru-RU" dirty="0"/>
           </a:p>
@@ -5008,7 +4672,7 @@
       </p:sp>
       <p:pic>
         <p:nvPicPr>
-          <p:cNvPr id="2050" name="Picture 2" descr="\\Pn\сhange\516.gif"/>
+          <p:cNvPr id="4" name="Picture 3" descr="D:\Diplom\temp\L2_100.png"/>
           <p:cNvPicPr>
             <a:picLocks noGrp="1" noChangeAspect="1" noChangeArrowheads="1"/>
           </p:cNvPicPr>
@@ -5024,8 +4688,8 @@
         </p:blipFill>
         <p:spPr bwMode="auto">
           <a:xfrm>
-            <a:off x="1259632" y="2060848"/>
-            <a:ext cx="6575708" cy="3617639"/>
+            <a:off x="4499992" y="1124744"/>
+            <a:ext cx="4392488" cy="3012937"/>
           </a:xfrm>
           <a:prstGeom prst="rect">
             <a:avLst/>
@@ -5035,7 +4699,7 @@
       </p:pic>
       <p:sp>
         <p:nvSpPr>
-          <p:cNvPr id="7" name="Номер слайда 6"/>
+          <p:cNvPr id="11" name="Номер слайда 10"/>
           <p:cNvSpPr>
             <a:spLocks noGrp="1"/>
           </p:cNvSpPr>
@@ -5054,6 +4718,139 @@
               <a:t>2</a:t>
             </a:fld>
             <a:endParaRPr lang="ru-RU"/>
+          </a:p>
+        </p:txBody>
+      </p:sp>
+      <p:pic>
+        <p:nvPicPr>
+          <p:cNvPr id="5" name="Содержимое 3" descr="http://www.kipia.info/upload/NOVOSTI_Kartinki/ANONSI_M/AN1014/Chrt_6.jpg"/>
+          <p:cNvPicPr>
+            <a:picLocks/>
+          </p:cNvPicPr>
+          <p:nvPr/>
+        </p:nvPicPr>
+        <p:blipFill>
+          <a:blip r:embed="rId3" cstate="print"/>
+          <a:stretch>
+            <a:fillRect/>
+          </a:stretch>
+        </p:blipFill>
+        <p:spPr bwMode="auto">
+          <a:xfrm>
+            <a:off x="467544" y="2852936"/>
+            <a:ext cx="4052650" cy="3628405"/>
+          </a:xfrm>
+          <a:prstGeom prst="rect">
+            <a:avLst/>
+          </a:prstGeom>
+          <a:noFill/>
+          <a:ln w="9525">
+            <a:noFill/>
+            <a:miter lim="800000"/>
+            <a:headEnd/>
+            <a:tailEnd/>
+          </a:ln>
+        </p:spPr>
+      </p:pic>
+      <p:sp>
+        <p:nvSpPr>
+          <p:cNvPr id="6" name="Прямоугольник 5"/>
+          <p:cNvSpPr/>
+          <p:nvPr/>
+        </p:nvSpPr>
+        <p:spPr>
+          <a:xfrm>
+            <a:off x="5076056" y="4293096"/>
+            <a:ext cx="3528392" cy="2031325"/>
+          </a:xfrm>
+          <a:prstGeom prst="rect">
+            <a:avLst/>
+          </a:prstGeom>
+        </p:spPr>
+        <p:txBody>
+          <a:bodyPr wrap="square">
+            <a:spAutoFit/>
+          </a:bodyPr>
+          <a:lstStyle/>
+          <a:p>
+            <a:r>
+              <a:rPr lang="uk-UA" dirty="0" smtClean="0"/>
+              <a:t>Параметри приладу:</a:t>
+            </a:r>
+            <a:endParaRPr lang="en-US" dirty="0" smtClean="0"/>
+          </a:p>
+          <a:p>
+            <a:r>
+              <a:rPr lang="uk-UA" dirty="0" smtClean="0"/>
+              <a:t> – Максимальний струм: 50A;</a:t>
+            </a:r>
+          </a:p>
+          <a:p>
+            <a:r>
+              <a:rPr lang="uk-UA" dirty="0" smtClean="0"/>
+              <a:t> – Максимальна напруга: 5000В;</a:t>
+            </a:r>
+          </a:p>
+          <a:p>
+            <a:r>
+              <a:rPr lang="uk-UA" dirty="0" smtClean="0"/>
+              <a:t> – Вбудований кольоровий TFT РК дисплей (640 × 480 точок);</a:t>
+            </a:r>
+          </a:p>
+          <a:p>
+            <a:r>
+              <a:rPr lang="uk-UA" dirty="0" smtClean="0"/>
+              <a:t> – Підключення до ПК через високошвидкісний USB-порт;</a:t>
+            </a:r>
+            <a:endParaRPr lang="uk-UA" dirty="0"/>
+          </a:p>
+        </p:txBody>
+      </p:sp>
+      <p:sp>
+        <p:nvSpPr>
+          <p:cNvPr id="7" name="Прямоугольник 6"/>
+          <p:cNvSpPr/>
+          <p:nvPr/>
+        </p:nvSpPr>
+        <p:spPr>
+          <a:xfrm>
+            <a:off x="323528" y="1340768"/>
+            <a:ext cx="3960440" cy="1477328"/>
+          </a:xfrm>
+          <a:prstGeom prst="rect">
+            <a:avLst/>
+          </a:prstGeom>
+        </p:spPr>
+        <p:txBody>
+          <a:bodyPr wrap="square">
+            <a:spAutoFit/>
+          </a:bodyPr>
+          <a:lstStyle/>
+          <a:p>
+            <a:r>
+              <a:rPr lang="uk-UA" dirty="0" smtClean="0"/>
+              <a:t>Функції програмного забезпечення:	</a:t>
+            </a:r>
+            <a:endParaRPr lang="en-US" dirty="0" smtClean="0"/>
+          </a:p>
+          <a:p>
+            <a:r>
+              <a:rPr lang="uk-UA" dirty="0" smtClean="0"/>
+              <a:t> – Збереження та завантаження (CSV, XLS, зображення);</a:t>
+            </a:r>
+          </a:p>
+          <a:p>
+            <a:r>
+              <a:rPr lang="uk-UA" dirty="0" smtClean="0"/>
+              <a:t> – Друк результатів;</a:t>
+            </a:r>
+          </a:p>
+          <a:p>
+            <a:r>
+              <a:rPr lang="uk-UA" dirty="0" smtClean="0"/>
+              <a:t> – Налаштування приладу.</a:t>
+            </a:r>
+            <a:endParaRPr lang="ru-RU" dirty="0"/>
           </a:p>
         </p:txBody>
       </p:sp>
@@ -5101,8 +4898,8 @@
         </p:nvSpPr>
         <p:spPr>
           <a:xfrm>
-            <a:off x="395536" y="404664"/>
-            <a:ext cx="3898776" cy="864096"/>
+            <a:off x="5580112" y="274638"/>
+            <a:ext cx="3106688" cy="1498178"/>
           </a:xfrm>
         </p:spPr>
         <p:txBody>
@@ -5110,8 +4907,8 @@
           <a:lstStyle/>
           <a:p>
             <a:r>
-              <a:rPr lang="uk-UA" dirty="0" smtClean="0"/>
-              <a:t>Л2-100 ТЕКО</a:t>
+              <a:rPr lang="ru-RU" dirty="0" smtClean="0"/>
+              <a:t>ЭРБИЙ-7107</a:t>
             </a:r>
             <a:endParaRPr lang="ru-RU" dirty="0"/>
           </a:p>
@@ -5119,9 +4916,9 @@
       </p:sp>
       <p:pic>
         <p:nvPicPr>
-          <p:cNvPr id="4" name="Picture 3" descr="D:\Diplom\temp\L2_100.png"/>
+          <p:cNvPr id="4" name="Содержимое 3"/>
           <p:cNvPicPr>
-            <a:picLocks noGrp="1" noChangeAspect="1" noChangeArrowheads="1"/>
+            <a:picLocks noGrp="1"/>
           </p:cNvPicPr>
           <p:nvPr>
             <p:ph idx="1"/>
@@ -5133,20 +4930,19 @@
             <a:fillRect/>
           </a:stretch>
         </p:blipFill>
-        <p:spPr bwMode="auto">
+        <p:spPr>
           <a:xfrm>
-            <a:off x="4499992" y="1124744"/>
-            <a:ext cx="4392488" cy="3012937"/>
+            <a:off x="4427984" y="3501007"/>
+            <a:ext cx="4320480" cy="2808313"/>
           </a:xfrm>
           <a:prstGeom prst="rect">
             <a:avLst/>
           </a:prstGeom>
-          <a:noFill/>
         </p:spPr>
       </p:pic>
       <p:sp>
         <p:nvSpPr>
-          <p:cNvPr id="11" name="Номер слайда 10"/>
+          <p:cNvPr id="10" name="Номер слайда 9"/>
           <p:cNvSpPr>
             <a:spLocks noGrp="1"/>
           </p:cNvSpPr>
@@ -5170,22 +4966,23 @@
       </p:sp>
       <p:pic>
         <p:nvPicPr>
-          <p:cNvPr id="5" name="Содержимое 3" descr="http://www.kipia.info/upload/NOVOSTI_Kartinki/ANONSI_M/AN1014/Chrt_6.jpg"/>
+          <p:cNvPr id="1026" name="Picture 2"/>
           <p:cNvPicPr>
-            <a:picLocks/>
+            <a:picLocks noChangeAspect="1" noChangeArrowheads="1"/>
           </p:cNvPicPr>
           <p:nvPr/>
         </p:nvPicPr>
         <p:blipFill>
           <a:blip r:embed="rId3" cstate="print"/>
+          <a:srcRect/>
           <a:stretch>
             <a:fillRect/>
           </a:stretch>
         </p:blipFill>
         <p:spPr bwMode="auto">
           <a:xfrm>
-            <a:off x="467544" y="2852936"/>
-            <a:ext cx="4052650" cy="3628405"/>
+            <a:off x="323527" y="332656"/>
+            <a:ext cx="4824537" cy="3599703"/>
           </a:xfrm>
           <a:prstGeom prst="rect">
             <a:avLst/>
@@ -5201,14 +4998,76 @@
       </p:pic>
       <p:sp>
         <p:nvSpPr>
+          <p:cNvPr id="5" name="Прямоугольник 4"/>
+          <p:cNvSpPr/>
+          <p:nvPr/>
+        </p:nvSpPr>
+        <p:spPr>
+          <a:xfrm>
+            <a:off x="5364088" y="1988840"/>
+            <a:ext cx="3528392" cy="1477328"/>
+          </a:xfrm>
+          <a:prstGeom prst="rect">
+            <a:avLst/>
+          </a:prstGeom>
+        </p:spPr>
+        <p:txBody>
+          <a:bodyPr wrap="square">
+            <a:spAutoFit/>
+          </a:bodyPr>
+          <a:lstStyle/>
+          <a:p>
+            <a:r>
+              <a:rPr lang="uk-UA" dirty="0" smtClean="0"/>
+              <a:t>Під час вимірювання можна задати наступні параметри:</a:t>
+            </a:r>
+            <a:endParaRPr lang="ru-RU" dirty="0" smtClean="0"/>
+          </a:p>
+          <a:p>
+            <a:pPr lvl="1">
+              <a:buFont typeface="Wingdings" pitchFamily="2" charset="2"/>
+              <a:buChar char="v"/>
+            </a:pPr>
+            <a:r>
+              <a:rPr lang="uk-UA" dirty="0" smtClean="0"/>
+              <a:t>Напруга;</a:t>
+            </a:r>
+            <a:endParaRPr lang="ru-RU" dirty="0" smtClean="0"/>
+          </a:p>
+          <a:p>
+            <a:pPr lvl="1">
+              <a:buFont typeface="Wingdings" pitchFamily="2" charset="2"/>
+              <a:buChar char="v"/>
+            </a:pPr>
+            <a:r>
+              <a:rPr lang="uk-UA" dirty="0" smtClean="0"/>
+              <a:t>Температура;</a:t>
+            </a:r>
+            <a:endParaRPr lang="ru-RU" dirty="0" smtClean="0"/>
+          </a:p>
+          <a:p>
+            <a:pPr lvl="1">
+              <a:buFont typeface="Wingdings" pitchFamily="2" charset="2"/>
+              <a:buChar char="v"/>
+            </a:pPr>
+            <a:r>
+              <a:rPr lang="uk-UA" dirty="0" smtClean="0"/>
+              <a:t>Освітленість.</a:t>
+            </a:r>
+            <a:endParaRPr lang="ru-RU" dirty="0"/>
+          </a:p>
+        </p:txBody>
+      </p:sp>
+      <p:sp>
+        <p:nvSpPr>
           <p:cNvPr id="6" name="Прямоугольник 5"/>
           <p:cNvSpPr/>
           <p:nvPr/>
         </p:nvSpPr>
         <p:spPr>
           <a:xfrm>
-            <a:off x="5076056" y="4293096"/>
-            <a:ext cx="3528392" cy="2031325"/>
+            <a:off x="179512" y="4149080"/>
+            <a:ext cx="4392488" cy="2308324"/>
           </a:xfrm>
           <a:prstGeom prst="rect">
             <a:avLst/>
@@ -5222,80 +5081,57 @@
           <a:p>
             <a:r>
               <a:rPr lang="uk-UA" dirty="0" smtClean="0"/>
-              <a:t>Параметри приладу:</a:t>
-            </a:r>
-            <a:endParaRPr lang="en-US" dirty="0" smtClean="0"/>
+              <a:t>Основні параметри приладу:</a:t>
+            </a:r>
+            <a:endParaRPr lang="ru-RU" dirty="0" smtClean="0"/>
           </a:p>
           <a:p>
             <a:r>
               <a:rPr lang="uk-UA" dirty="0" smtClean="0"/>
-              <a:t> – Максимальний струм: 50A;</a:t>
-            </a:r>
-          </a:p>
-          <a:p>
+              <a:t> – Струм: від 10 </a:t>
+            </a:r>
+            <a:r>
+              <a:rPr lang="uk-UA" dirty="0" err="1" smtClean="0"/>
+              <a:t>нА</a:t>
+            </a:r>
             <a:r>
               <a:rPr lang="uk-UA" dirty="0" smtClean="0"/>
-              <a:t> – Максимальна напруга: 5000В;</a:t>
-            </a:r>
+              <a:t> до 200 мА;</a:t>
+            </a:r>
+            <a:endParaRPr lang="ru-RU" dirty="0" smtClean="0"/>
           </a:p>
           <a:p>
             <a:r>
               <a:rPr lang="uk-UA" dirty="0" smtClean="0"/>
-              <a:t> – Вбудований кольоровий TFT РК дисплей (640 × 480 точок);</a:t>
-            </a:r>
+              <a:t> – Напруга на виводах: від 100 мкВ до 5 В;</a:t>
+            </a:r>
+            <a:endParaRPr lang="ru-RU" dirty="0" smtClean="0"/>
           </a:p>
           <a:p>
             <a:r>
               <a:rPr lang="uk-UA" dirty="0" smtClean="0"/>
-              <a:t> – Підключення до ПК через високошвидкісний USB-порт;</a:t>
-            </a:r>
-            <a:endParaRPr lang="uk-UA" dirty="0"/>
-          </a:p>
-        </p:txBody>
-      </p:sp>
-      <p:sp>
-        <p:nvSpPr>
-          <p:cNvPr id="7" name="Прямоугольник 6"/>
-          <p:cNvSpPr/>
-          <p:nvPr/>
-        </p:nvSpPr>
-        <p:spPr>
-          <a:xfrm>
-            <a:off x="323528" y="1340768"/>
-            <a:ext cx="3960440" cy="1477328"/>
-          </a:xfrm>
-          <a:prstGeom prst="rect">
-            <a:avLst/>
-          </a:prstGeom>
-        </p:spPr>
-        <p:txBody>
-          <a:bodyPr wrap="square">
-            <a:spAutoFit/>
-          </a:bodyPr>
-          <a:lstStyle/>
+              <a:t> – Температура тримача: від 0 до +90°С точність температури: 0,1°С;</a:t>
+            </a:r>
+            <a:endParaRPr lang="ru-RU" dirty="0" smtClean="0"/>
+          </a:p>
           <a:p>
             <a:r>
               <a:rPr lang="uk-UA" dirty="0" smtClean="0"/>
-              <a:t>Функції програмного забезпечення:	</a:t>
-            </a:r>
-            <a:endParaRPr lang="en-US" dirty="0" smtClean="0"/>
+              <a:t> – Перестрочування освітленості: 1:10000;</a:t>
+            </a:r>
+            <a:endParaRPr lang="ru-RU" dirty="0" smtClean="0"/>
           </a:p>
           <a:p>
             <a:r>
               <a:rPr lang="uk-UA" dirty="0" smtClean="0"/>
-              <a:t> – Збереження та завантаження (CSV, XLS, зображення);</a:t>
-            </a:r>
+              <a:t> – Точність вимірювання напруги: до 1,3%;</a:t>
+            </a:r>
+            <a:endParaRPr lang="ru-RU" dirty="0" smtClean="0"/>
           </a:p>
           <a:p>
             <a:r>
               <a:rPr lang="uk-UA" dirty="0" smtClean="0"/>
-              <a:t> – Друк результатів;</a:t>
-            </a:r>
-          </a:p>
-          <a:p>
-            <a:r>
-              <a:rPr lang="uk-UA" dirty="0" smtClean="0"/>
-              <a:t> – Налаштування приладу.</a:t>
+              <a:t> – Точність вимірювання струму: до 3%.</a:t>
             </a:r>
             <a:endParaRPr lang="ru-RU" dirty="0"/>
           </a:p>
@@ -5343,19 +5179,14 @@
             <p:ph type="title"/>
           </p:nvPr>
         </p:nvSpPr>
-        <p:spPr>
-          <a:xfrm>
-            <a:off x="5580112" y="274638"/>
-            <a:ext cx="3106688" cy="1498178"/>
-          </a:xfrm>
-        </p:spPr>
+        <p:spPr/>
         <p:txBody>
           <a:bodyPr/>
           <a:lstStyle/>
           <a:p>
             <a:r>
-              <a:rPr lang="ru-RU" dirty="0" smtClean="0"/>
-              <a:t>ЭРБИЙ-7107</a:t>
+              <a:rPr lang="uk-UA" dirty="0" smtClean="0"/>
+              <a:t>Структурна схема</a:t>
             </a:r>
             <a:endParaRPr lang="ru-RU" dirty="0"/>
           </a:p>
@@ -5373,54 +5204,6 @@
         </p:nvPicPr>
         <p:blipFill>
           <a:blip r:embed="rId2" cstate="print"/>
-          <a:stretch>
-            <a:fillRect/>
-          </a:stretch>
-        </p:blipFill>
-        <p:spPr>
-          <a:xfrm>
-            <a:off x="4427984" y="3501007"/>
-            <a:ext cx="4320480" cy="2808313"/>
-          </a:xfrm>
-          <a:prstGeom prst="rect">
-            <a:avLst/>
-          </a:prstGeom>
-        </p:spPr>
-      </p:pic>
-      <p:sp>
-        <p:nvSpPr>
-          <p:cNvPr id="10" name="Номер слайда 9"/>
-          <p:cNvSpPr>
-            <a:spLocks noGrp="1"/>
-          </p:cNvSpPr>
-          <p:nvPr>
-            <p:ph type="sldNum" sz="quarter" idx="12"/>
-          </p:nvPr>
-        </p:nvSpPr>
-        <p:spPr/>
-        <p:txBody>
-          <a:bodyPr/>
-          <a:lstStyle/>
-          <a:p>
-            <a:fld id="{679C4B18-9BFA-4BD6-A2FF-5FD9619786E0}" type="slidenum">
-              <a:rPr lang="ru-RU" smtClean="0"/>
-              <a:pPr/>
-              <a:t>4</a:t>
-            </a:fld>
-            <a:endParaRPr lang="ru-RU"/>
-          </a:p>
-        </p:txBody>
-      </p:sp>
-      <p:pic>
-        <p:nvPicPr>
-          <p:cNvPr id="1026" name="Picture 2"/>
-          <p:cNvPicPr>
-            <a:picLocks noChangeAspect="1" noChangeArrowheads="1"/>
-          </p:cNvPicPr>
-          <p:nvPr/>
-        </p:nvPicPr>
-        <p:blipFill>
-          <a:blip r:embed="rId3" cstate="print"/>
           <a:srcRect/>
           <a:stretch>
             <a:fillRect/>
@@ -5428,8 +5211,8 @@
         </p:blipFill>
         <p:spPr bwMode="auto">
           <a:xfrm>
-            <a:off x="323527" y="332656"/>
-            <a:ext cx="4824537" cy="3599703"/>
+            <a:off x="179512" y="1772816"/>
+            <a:ext cx="8748464" cy="3744416"/>
           </a:xfrm>
           <a:prstGeom prst="rect">
             <a:avLst/>
@@ -5445,142 +5228,373 @@
       </p:pic>
       <p:sp>
         <p:nvSpPr>
-          <p:cNvPr id="5" name="Прямоугольник 4"/>
+          <p:cNvPr id="18" name="Номер слайда 17"/>
+          <p:cNvSpPr>
+            <a:spLocks noGrp="1"/>
+          </p:cNvSpPr>
+          <p:nvPr>
+            <p:ph type="sldNum" sz="quarter" idx="12"/>
+          </p:nvPr>
+        </p:nvSpPr>
+        <p:spPr/>
+        <p:txBody>
+          <a:bodyPr/>
+          <a:lstStyle/>
+          <a:p>
+            <a:fld id="{679C4B18-9BFA-4BD6-A2FF-5FD9619786E0}" type="slidenum">
+              <a:rPr lang="ru-RU" smtClean="0"/>
+              <a:pPr/>
+              <a:t>4</a:t>
+            </a:fld>
+            <a:endParaRPr lang="ru-RU"/>
+          </a:p>
+        </p:txBody>
+      </p:sp>
+      <p:cxnSp>
+        <p:nvCxnSpPr>
+          <p:cNvPr id="7" name="Прямая соединительная линия 6"/>
+          <p:cNvCxnSpPr/>
+          <p:nvPr/>
+        </p:nvCxnSpPr>
+        <p:spPr>
+          <a:xfrm>
+            <a:off x="251520" y="1628800"/>
+            <a:ext cx="5184576" cy="0"/>
+          </a:xfrm>
+          <a:prstGeom prst="line">
+            <a:avLst/>
+          </a:prstGeom>
+          <a:ln>
+            <a:prstDash val="dash"/>
+          </a:ln>
+        </p:spPr>
+        <p:style>
+          <a:lnRef idx="3">
+            <a:schemeClr val="dk1"/>
+          </a:lnRef>
+          <a:fillRef idx="0">
+            <a:schemeClr val="dk1"/>
+          </a:fillRef>
+          <a:effectRef idx="2">
+            <a:schemeClr val="dk1"/>
+          </a:effectRef>
+          <a:fontRef idx="minor">
+            <a:schemeClr val="tx1"/>
+          </a:fontRef>
+        </p:style>
+      </p:cxnSp>
+      <p:cxnSp>
+        <p:nvCxnSpPr>
+          <p:cNvPr id="8" name="Прямая соединительная линия 7"/>
+          <p:cNvCxnSpPr/>
+          <p:nvPr/>
+        </p:nvCxnSpPr>
+        <p:spPr>
+          <a:xfrm>
+            <a:off x="179512" y="5805264"/>
+            <a:ext cx="5256584" cy="0"/>
+          </a:xfrm>
+          <a:prstGeom prst="line">
+            <a:avLst/>
+          </a:prstGeom>
+          <a:ln>
+            <a:prstDash val="dash"/>
+          </a:ln>
+        </p:spPr>
+        <p:style>
+          <a:lnRef idx="3">
+            <a:schemeClr val="dk1"/>
+          </a:lnRef>
+          <a:fillRef idx="0">
+            <a:schemeClr val="dk1"/>
+          </a:fillRef>
+          <a:effectRef idx="2">
+            <a:schemeClr val="dk1"/>
+          </a:effectRef>
+          <a:fontRef idx="minor">
+            <a:schemeClr val="tx1"/>
+          </a:fontRef>
+        </p:style>
+      </p:cxnSp>
+      <p:cxnSp>
+        <p:nvCxnSpPr>
+          <p:cNvPr id="12" name="Прямая соединительная линия 11"/>
+          <p:cNvCxnSpPr/>
+          <p:nvPr/>
+        </p:nvCxnSpPr>
+        <p:spPr>
+          <a:xfrm rot="5400000">
+            <a:off x="3419872" y="3717032"/>
+            <a:ext cx="4032448" cy="0"/>
+          </a:xfrm>
+          <a:prstGeom prst="line">
+            <a:avLst/>
+          </a:prstGeom>
+          <a:ln>
+            <a:prstDash val="dash"/>
+          </a:ln>
+        </p:spPr>
+        <p:style>
+          <a:lnRef idx="3">
+            <a:schemeClr val="dk1"/>
+          </a:lnRef>
+          <a:fillRef idx="0">
+            <a:schemeClr val="dk1"/>
+          </a:fillRef>
+          <a:effectRef idx="2">
+            <a:schemeClr val="dk1"/>
+          </a:effectRef>
+          <a:fontRef idx="minor">
+            <a:schemeClr val="tx1"/>
+          </a:fontRef>
+        </p:style>
+      </p:cxnSp>
+      <p:cxnSp>
+        <p:nvCxnSpPr>
+          <p:cNvPr id="19" name="Прямая соединительная линия 18"/>
+          <p:cNvCxnSpPr/>
+          <p:nvPr/>
+        </p:nvCxnSpPr>
+        <p:spPr>
+          <a:xfrm>
+            <a:off x="5724128" y="1628800"/>
+            <a:ext cx="3168352" cy="0"/>
+          </a:xfrm>
+          <a:prstGeom prst="line">
+            <a:avLst/>
+          </a:prstGeom>
+          <a:ln>
+            <a:prstDash val="dash"/>
+          </a:ln>
+        </p:spPr>
+        <p:style>
+          <a:lnRef idx="3">
+            <a:schemeClr val="dk1"/>
+          </a:lnRef>
+          <a:fillRef idx="0">
+            <a:schemeClr val="dk1"/>
+          </a:fillRef>
+          <a:effectRef idx="2">
+            <a:schemeClr val="dk1"/>
+          </a:effectRef>
+          <a:fontRef idx="minor">
+            <a:schemeClr val="tx1"/>
+          </a:fontRef>
+        </p:style>
+      </p:cxnSp>
+      <p:cxnSp>
+        <p:nvCxnSpPr>
+          <p:cNvPr id="20" name="Прямая соединительная линия 19"/>
+          <p:cNvCxnSpPr/>
+          <p:nvPr/>
+        </p:nvCxnSpPr>
+        <p:spPr>
+          <a:xfrm rot="5400000">
+            <a:off x="-1836712" y="3789040"/>
+            <a:ext cx="4032448" cy="0"/>
+          </a:xfrm>
+          <a:prstGeom prst="line">
+            <a:avLst/>
+          </a:prstGeom>
+          <a:ln>
+            <a:prstDash val="dash"/>
+          </a:ln>
+        </p:spPr>
+        <p:style>
+          <a:lnRef idx="3">
+            <a:schemeClr val="dk1"/>
+          </a:lnRef>
+          <a:fillRef idx="0">
+            <a:schemeClr val="dk1"/>
+          </a:fillRef>
+          <a:effectRef idx="2">
+            <a:schemeClr val="dk1"/>
+          </a:effectRef>
+          <a:fontRef idx="minor">
+            <a:schemeClr val="tx1"/>
+          </a:fontRef>
+        </p:style>
+      </p:cxnSp>
+      <p:cxnSp>
+        <p:nvCxnSpPr>
+          <p:cNvPr id="21" name="Прямая соединительная линия 20"/>
+          <p:cNvCxnSpPr/>
+          <p:nvPr/>
+        </p:nvCxnSpPr>
+        <p:spPr>
+          <a:xfrm rot="5400000">
+            <a:off x="3707904" y="3789040"/>
+            <a:ext cx="4032448" cy="0"/>
+          </a:xfrm>
+          <a:prstGeom prst="line">
+            <a:avLst/>
+          </a:prstGeom>
+          <a:ln>
+            <a:prstDash val="dash"/>
+          </a:ln>
+        </p:spPr>
+        <p:style>
+          <a:lnRef idx="3">
+            <a:schemeClr val="dk1"/>
+          </a:lnRef>
+          <a:fillRef idx="0">
+            <a:schemeClr val="dk1"/>
+          </a:fillRef>
+          <a:effectRef idx="2">
+            <a:schemeClr val="dk1"/>
+          </a:effectRef>
+          <a:fontRef idx="minor">
+            <a:schemeClr val="tx1"/>
+          </a:fontRef>
+        </p:style>
+      </p:cxnSp>
+      <p:cxnSp>
+        <p:nvCxnSpPr>
+          <p:cNvPr id="22" name="Прямая соединительная линия 21"/>
+          <p:cNvCxnSpPr/>
+          <p:nvPr/>
+        </p:nvCxnSpPr>
+        <p:spPr>
+          <a:xfrm rot="5400000">
+            <a:off x="6876256" y="3717032"/>
+            <a:ext cx="4032448" cy="0"/>
+          </a:xfrm>
+          <a:prstGeom prst="line">
+            <a:avLst/>
+          </a:prstGeom>
+          <a:ln>
+            <a:prstDash val="dash"/>
+          </a:ln>
+        </p:spPr>
+        <p:style>
+          <a:lnRef idx="3">
+            <a:schemeClr val="dk1"/>
+          </a:lnRef>
+          <a:fillRef idx="0">
+            <a:schemeClr val="dk1"/>
+          </a:fillRef>
+          <a:effectRef idx="2">
+            <a:schemeClr val="dk1"/>
+          </a:effectRef>
+          <a:fontRef idx="minor">
+            <a:schemeClr val="tx1"/>
+          </a:fontRef>
+        </p:style>
+      </p:cxnSp>
+      <p:cxnSp>
+        <p:nvCxnSpPr>
+          <p:cNvPr id="23" name="Прямая соединительная линия 22"/>
+          <p:cNvCxnSpPr/>
+          <p:nvPr/>
+        </p:nvCxnSpPr>
+        <p:spPr>
+          <a:xfrm>
+            <a:off x="5796136" y="5805264"/>
+            <a:ext cx="3168352" cy="0"/>
+          </a:xfrm>
+          <a:prstGeom prst="line">
+            <a:avLst/>
+          </a:prstGeom>
+          <a:ln>
+            <a:prstDash val="dash"/>
+          </a:ln>
+        </p:spPr>
+        <p:style>
+          <a:lnRef idx="3">
+            <a:schemeClr val="dk1"/>
+          </a:lnRef>
+          <a:fillRef idx="0">
+            <a:schemeClr val="dk1"/>
+          </a:fillRef>
+          <a:effectRef idx="2">
+            <a:schemeClr val="dk1"/>
+          </a:effectRef>
+          <a:fontRef idx="minor">
+            <a:schemeClr val="tx1"/>
+          </a:fontRef>
+        </p:style>
+      </p:cxnSp>
+      <p:sp>
+        <p:nvSpPr>
+          <p:cNvPr id="13" name="Скругленный прямоугольник 12"/>
           <p:cNvSpPr/>
           <p:nvPr/>
         </p:nvSpPr>
         <p:spPr>
           <a:xfrm>
-            <a:off x="5364088" y="1988840"/>
-            <a:ext cx="3528392" cy="1477328"/>
-          </a:xfrm>
-          <a:prstGeom prst="rect">
+            <a:off x="3923928" y="4797152"/>
+            <a:ext cx="1296144" cy="864096"/>
+          </a:xfrm>
+          <a:prstGeom prst="roundRect">
             <a:avLst/>
           </a:prstGeom>
         </p:spPr>
-        <p:txBody>
-          <a:bodyPr wrap="square">
-            <a:spAutoFit/>
-          </a:bodyPr>
-          <a:lstStyle/>
-          <a:p>
-            <a:r>
-              <a:rPr lang="uk-UA" dirty="0" smtClean="0"/>
-              <a:t>Під час вимірювання можна задати наступні параметри:</a:t>
-            </a:r>
-            <a:endParaRPr lang="ru-RU" dirty="0" smtClean="0"/>
-          </a:p>
-          <a:p>
-            <a:pPr lvl="1">
-              <a:buFont typeface="Wingdings" pitchFamily="2" charset="2"/>
-              <a:buChar char="v"/>
-            </a:pPr>
-            <a:r>
-              <a:rPr lang="uk-UA" dirty="0" smtClean="0"/>
-              <a:t>Напруга;</a:t>
-            </a:r>
-            <a:endParaRPr lang="ru-RU" dirty="0" smtClean="0"/>
-          </a:p>
-          <a:p>
-            <a:pPr lvl="1">
-              <a:buFont typeface="Wingdings" pitchFamily="2" charset="2"/>
-              <a:buChar char="v"/>
-            </a:pPr>
-            <a:r>
-              <a:rPr lang="uk-UA" dirty="0" smtClean="0"/>
-              <a:t>Температура;</a:t>
-            </a:r>
-            <a:endParaRPr lang="ru-RU" dirty="0" smtClean="0"/>
-          </a:p>
-          <a:p>
-            <a:pPr lvl="1">
-              <a:buFont typeface="Wingdings" pitchFamily="2" charset="2"/>
-              <a:buChar char="v"/>
-            </a:pPr>
-            <a:r>
-              <a:rPr lang="uk-UA" dirty="0" smtClean="0"/>
-              <a:t>Освітленість.</a:t>
-            </a:r>
-            <a:endParaRPr lang="ru-RU" dirty="0"/>
-          </a:p>
-        </p:txBody>
-      </p:sp>
-      <p:sp>
-        <p:nvSpPr>
-          <p:cNvPr id="6" name="Прямоугольник 5"/>
+        <p:style>
+          <a:lnRef idx="1">
+            <a:schemeClr val="accent1"/>
+          </a:lnRef>
+          <a:fillRef idx="2">
+            <a:schemeClr val="accent1"/>
+          </a:fillRef>
+          <a:effectRef idx="1">
+            <a:schemeClr val="accent1"/>
+          </a:effectRef>
+          <a:fontRef idx="minor">
+            <a:schemeClr val="dk1"/>
+          </a:fontRef>
+        </p:style>
+        <p:txBody>
+          <a:bodyPr rtlCol="0" anchor="ctr"/>
+          <a:lstStyle/>
+          <a:p>
+            <a:pPr algn="ctr"/>
+            <a:r>
+              <a:rPr lang="uk-UA" sz="2400" dirty="0" smtClean="0"/>
+              <a:t>Прилад</a:t>
+            </a:r>
+            <a:endParaRPr lang="ru-RU" sz="2400" dirty="0"/>
+          </a:p>
+        </p:txBody>
+      </p:sp>
+      <p:sp>
+        <p:nvSpPr>
+          <p:cNvPr id="14" name="Скругленный прямоугольник 13"/>
           <p:cNvSpPr/>
           <p:nvPr/>
         </p:nvSpPr>
         <p:spPr>
           <a:xfrm>
-            <a:off x="179512" y="4149080"/>
-            <a:ext cx="4392488" cy="2308324"/>
-          </a:xfrm>
-          <a:prstGeom prst="rect">
+            <a:off x="8028384" y="4797152"/>
+            <a:ext cx="720080" cy="864096"/>
+          </a:xfrm>
+          <a:prstGeom prst="roundRect">
             <a:avLst/>
           </a:prstGeom>
         </p:spPr>
-        <p:txBody>
-          <a:bodyPr wrap="square">
-            <a:spAutoFit/>
-          </a:bodyPr>
-          <a:lstStyle/>
-          <a:p>
-            <a:r>
-              <a:rPr lang="uk-UA" dirty="0" smtClean="0"/>
-              <a:t>Основні параметри приладу:</a:t>
-            </a:r>
-            <a:endParaRPr lang="ru-RU" dirty="0" smtClean="0"/>
-          </a:p>
-          <a:p>
-            <a:r>
-              <a:rPr lang="uk-UA" dirty="0" smtClean="0"/>
-              <a:t> – Струм: від 10 </a:t>
-            </a:r>
-            <a:r>
-              <a:rPr lang="uk-UA" dirty="0" err="1" smtClean="0"/>
-              <a:t>нА</a:t>
-            </a:r>
-            <a:r>
-              <a:rPr lang="uk-UA" dirty="0" smtClean="0"/>
-              <a:t> до 200 мА;</a:t>
-            </a:r>
-            <a:endParaRPr lang="ru-RU" dirty="0" smtClean="0"/>
-          </a:p>
-          <a:p>
-            <a:r>
-              <a:rPr lang="uk-UA" dirty="0" smtClean="0"/>
-              <a:t> – Напруга на виводах: від 100 мкВ до 5 В;</a:t>
-            </a:r>
-            <a:endParaRPr lang="ru-RU" dirty="0" smtClean="0"/>
-          </a:p>
-          <a:p>
-            <a:r>
-              <a:rPr lang="uk-UA" dirty="0" smtClean="0"/>
-              <a:t> – Температура тримача: від 0 до +90°С точність температури: 0,1°С;</a:t>
-            </a:r>
-            <a:endParaRPr lang="ru-RU" dirty="0" smtClean="0"/>
-          </a:p>
-          <a:p>
-            <a:r>
-              <a:rPr lang="uk-UA" dirty="0" smtClean="0"/>
-              <a:t> – Перестрочування освітленості: 1:10000;</a:t>
-            </a:r>
-            <a:endParaRPr lang="ru-RU" dirty="0" smtClean="0"/>
-          </a:p>
-          <a:p>
-            <a:r>
-              <a:rPr lang="uk-UA" dirty="0" smtClean="0"/>
-              <a:t> – Точність вимірювання напруги: до 1,3%;</a:t>
-            </a:r>
-            <a:endParaRPr lang="ru-RU" dirty="0" smtClean="0"/>
-          </a:p>
-          <a:p>
-            <a:r>
-              <a:rPr lang="uk-UA" dirty="0" smtClean="0"/>
-              <a:t> – Точність вимірювання струму: до 3%.</a:t>
-            </a:r>
-            <a:endParaRPr lang="ru-RU" dirty="0"/>
+        <p:style>
+          <a:lnRef idx="1">
+            <a:schemeClr val="accent1"/>
+          </a:lnRef>
+          <a:fillRef idx="2">
+            <a:schemeClr val="accent1"/>
+          </a:fillRef>
+          <a:effectRef idx="1">
+            <a:schemeClr val="accent1"/>
+          </a:effectRef>
+          <a:fontRef idx="minor">
+            <a:schemeClr val="dk1"/>
+          </a:fontRef>
+        </p:style>
+        <p:txBody>
+          <a:bodyPr rtlCol="0" anchor="ctr"/>
+          <a:lstStyle/>
+          <a:p>
+            <a:pPr algn="ctr"/>
+            <a:r>
+              <a:rPr lang="uk-UA" sz="2400" dirty="0" smtClean="0"/>
+              <a:t>ПК</a:t>
+            </a:r>
+            <a:endParaRPr lang="ru-RU" sz="2400" dirty="0"/>
           </a:p>
         </p:txBody>
       </p:sp>
@@ -5633,24 +5647,48 @@
           <a:p>
             <a:r>
               <a:rPr lang="uk-UA" dirty="0" smtClean="0"/>
-              <a:t>Структурна схема</a:t>
+              <a:t>Схема керування напругою</a:t>
             </a:r>
             <a:endParaRPr lang="ru-RU" dirty="0"/>
+          </a:p>
+        </p:txBody>
+      </p:sp>
+      <p:sp>
+        <p:nvSpPr>
+          <p:cNvPr id="8" name="Номер слайда 7"/>
+          <p:cNvSpPr>
+            <a:spLocks noGrp="1"/>
+          </p:cNvSpPr>
+          <p:nvPr>
+            <p:ph type="sldNum" sz="quarter" idx="12"/>
+          </p:nvPr>
+        </p:nvSpPr>
+        <p:spPr/>
+        <p:txBody>
+          <a:bodyPr/>
+          <a:lstStyle/>
+          <a:p>
+            <a:fld id="{679C4B18-9BFA-4BD6-A2FF-5FD9619786E0}" type="slidenum">
+              <a:rPr lang="ru-RU" smtClean="0"/>
+              <a:pPr/>
+              <a:t>5</a:t>
+            </a:fld>
+            <a:endParaRPr lang="ru-RU"/>
           </a:p>
         </p:txBody>
       </p:sp>
       <p:pic>
         <p:nvPicPr>
-          <p:cNvPr id="4" name="Содержимое 3"/>
+          <p:cNvPr id="22529" name="Picture 1" descr="D:\Diplom\TempDocs\Report\t\kdn.png"/>
           <p:cNvPicPr>
-            <a:picLocks noGrp="1"/>
+            <a:picLocks noChangeAspect="1" noChangeArrowheads="1"/>
           </p:cNvPicPr>
-          <p:nvPr>
-            <p:ph idx="1"/>
-          </p:nvPr>
+          <p:nvPr/>
         </p:nvPicPr>
         <p:blipFill>
-          <a:blip r:embed="rId2" cstate="print"/>
+          <a:blip r:embed="rId2" cstate="print">
+            <a:lum bright="-75000"/>
+          </a:blip>
           <a:srcRect/>
           <a:stretch>
             <a:fillRect/>
@@ -5658,393 +5696,15 @@
         </p:blipFill>
         <p:spPr bwMode="auto">
           <a:xfrm>
-            <a:off x="179512" y="1772816"/>
-            <a:ext cx="8748464" cy="3744416"/>
+            <a:off x="611560" y="1268760"/>
+            <a:ext cx="8064896" cy="5260404"/>
           </a:xfrm>
           <a:prstGeom prst="rect">
             <a:avLst/>
           </a:prstGeom>
           <a:noFill/>
-          <a:ln w="9525">
-            <a:noFill/>
-            <a:miter lim="800000"/>
-            <a:headEnd/>
-            <a:tailEnd/>
-          </a:ln>
         </p:spPr>
       </p:pic>
-      <p:sp>
-        <p:nvSpPr>
-          <p:cNvPr id="18" name="Номер слайда 17"/>
-          <p:cNvSpPr>
-            <a:spLocks noGrp="1"/>
-          </p:cNvSpPr>
-          <p:nvPr>
-            <p:ph type="sldNum" sz="quarter" idx="12"/>
-          </p:nvPr>
-        </p:nvSpPr>
-        <p:spPr/>
-        <p:txBody>
-          <a:bodyPr/>
-          <a:lstStyle/>
-          <a:p>
-            <a:fld id="{679C4B18-9BFA-4BD6-A2FF-5FD9619786E0}" type="slidenum">
-              <a:rPr lang="ru-RU" smtClean="0"/>
-              <a:pPr/>
-              <a:t>5</a:t>
-            </a:fld>
-            <a:endParaRPr lang="ru-RU"/>
-          </a:p>
-        </p:txBody>
-      </p:sp>
-      <p:cxnSp>
-        <p:nvCxnSpPr>
-          <p:cNvPr id="7" name="Прямая соединительная линия 6"/>
-          <p:cNvCxnSpPr/>
-          <p:nvPr/>
-        </p:nvCxnSpPr>
-        <p:spPr>
-          <a:xfrm>
-            <a:off x="251520" y="1628800"/>
-            <a:ext cx="5184576" cy="0"/>
-          </a:xfrm>
-          <a:prstGeom prst="line">
-            <a:avLst/>
-          </a:prstGeom>
-          <a:ln>
-            <a:prstDash val="dash"/>
-          </a:ln>
-        </p:spPr>
-        <p:style>
-          <a:lnRef idx="3">
-            <a:schemeClr val="dk1"/>
-          </a:lnRef>
-          <a:fillRef idx="0">
-            <a:schemeClr val="dk1"/>
-          </a:fillRef>
-          <a:effectRef idx="2">
-            <a:schemeClr val="dk1"/>
-          </a:effectRef>
-          <a:fontRef idx="minor">
-            <a:schemeClr val="tx1"/>
-          </a:fontRef>
-        </p:style>
-      </p:cxnSp>
-      <p:cxnSp>
-        <p:nvCxnSpPr>
-          <p:cNvPr id="8" name="Прямая соединительная линия 7"/>
-          <p:cNvCxnSpPr/>
-          <p:nvPr/>
-        </p:nvCxnSpPr>
-        <p:spPr>
-          <a:xfrm>
-            <a:off x="179512" y="5805264"/>
-            <a:ext cx="5256584" cy="0"/>
-          </a:xfrm>
-          <a:prstGeom prst="line">
-            <a:avLst/>
-          </a:prstGeom>
-          <a:ln>
-            <a:prstDash val="dash"/>
-          </a:ln>
-        </p:spPr>
-        <p:style>
-          <a:lnRef idx="3">
-            <a:schemeClr val="dk1"/>
-          </a:lnRef>
-          <a:fillRef idx="0">
-            <a:schemeClr val="dk1"/>
-          </a:fillRef>
-          <a:effectRef idx="2">
-            <a:schemeClr val="dk1"/>
-          </a:effectRef>
-          <a:fontRef idx="minor">
-            <a:schemeClr val="tx1"/>
-          </a:fontRef>
-        </p:style>
-      </p:cxnSp>
-      <p:cxnSp>
-        <p:nvCxnSpPr>
-          <p:cNvPr id="12" name="Прямая соединительная линия 11"/>
-          <p:cNvCxnSpPr/>
-          <p:nvPr/>
-        </p:nvCxnSpPr>
-        <p:spPr>
-          <a:xfrm rot="5400000">
-            <a:off x="3419872" y="3717032"/>
-            <a:ext cx="4032448" cy="0"/>
-          </a:xfrm>
-          <a:prstGeom prst="line">
-            <a:avLst/>
-          </a:prstGeom>
-          <a:ln>
-            <a:prstDash val="dash"/>
-          </a:ln>
-        </p:spPr>
-        <p:style>
-          <a:lnRef idx="3">
-            <a:schemeClr val="dk1"/>
-          </a:lnRef>
-          <a:fillRef idx="0">
-            <a:schemeClr val="dk1"/>
-          </a:fillRef>
-          <a:effectRef idx="2">
-            <a:schemeClr val="dk1"/>
-          </a:effectRef>
-          <a:fontRef idx="minor">
-            <a:schemeClr val="tx1"/>
-          </a:fontRef>
-        </p:style>
-      </p:cxnSp>
-      <p:cxnSp>
-        <p:nvCxnSpPr>
-          <p:cNvPr id="19" name="Прямая соединительная линия 18"/>
-          <p:cNvCxnSpPr/>
-          <p:nvPr/>
-        </p:nvCxnSpPr>
-        <p:spPr>
-          <a:xfrm>
-            <a:off x="5724128" y="1628800"/>
-            <a:ext cx="3168352" cy="0"/>
-          </a:xfrm>
-          <a:prstGeom prst="line">
-            <a:avLst/>
-          </a:prstGeom>
-          <a:ln>
-            <a:prstDash val="dash"/>
-          </a:ln>
-        </p:spPr>
-        <p:style>
-          <a:lnRef idx="3">
-            <a:schemeClr val="dk1"/>
-          </a:lnRef>
-          <a:fillRef idx="0">
-            <a:schemeClr val="dk1"/>
-          </a:fillRef>
-          <a:effectRef idx="2">
-            <a:schemeClr val="dk1"/>
-          </a:effectRef>
-          <a:fontRef idx="minor">
-            <a:schemeClr val="tx1"/>
-          </a:fontRef>
-        </p:style>
-      </p:cxnSp>
-      <p:cxnSp>
-        <p:nvCxnSpPr>
-          <p:cNvPr id="20" name="Прямая соединительная линия 19"/>
-          <p:cNvCxnSpPr/>
-          <p:nvPr/>
-        </p:nvCxnSpPr>
-        <p:spPr>
-          <a:xfrm rot="5400000">
-            <a:off x="-1836712" y="3789040"/>
-            <a:ext cx="4032448" cy="0"/>
-          </a:xfrm>
-          <a:prstGeom prst="line">
-            <a:avLst/>
-          </a:prstGeom>
-          <a:ln>
-            <a:prstDash val="dash"/>
-          </a:ln>
-        </p:spPr>
-        <p:style>
-          <a:lnRef idx="3">
-            <a:schemeClr val="dk1"/>
-          </a:lnRef>
-          <a:fillRef idx="0">
-            <a:schemeClr val="dk1"/>
-          </a:fillRef>
-          <a:effectRef idx="2">
-            <a:schemeClr val="dk1"/>
-          </a:effectRef>
-          <a:fontRef idx="minor">
-            <a:schemeClr val="tx1"/>
-          </a:fontRef>
-        </p:style>
-      </p:cxnSp>
-      <p:cxnSp>
-        <p:nvCxnSpPr>
-          <p:cNvPr id="21" name="Прямая соединительная линия 20"/>
-          <p:cNvCxnSpPr/>
-          <p:nvPr/>
-        </p:nvCxnSpPr>
-        <p:spPr>
-          <a:xfrm rot="5400000">
-            <a:off x="3707904" y="3789040"/>
-            <a:ext cx="4032448" cy="0"/>
-          </a:xfrm>
-          <a:prstGeom prst="line">
-            <a:avLst/>
-          </a:prstGeom>
-          <a:ln>
-            <a:prstDash val="dash"/>
-          </a:ln>
-        </p:spPr>
-        <p:style>
-          <a:lnRef idx="3">
-            <a:schemeClr val="dk1"/>
-          </a:lnRef>
-          <a:fillRef idx="0">
-            <a:schemeClr val="dk1"/>
-          </a:fillRef>
-          <a:effectRef idx="2">
-            <a:schemeClr val="dk1"/>
-          </a:effectRef>
-          <a:fontRef idx="minor">
-            <a:schemeClr val="tx1"/>
-          </a:fontRef>
-        </p:style>
-      </p:cxnSp>
-      <p:cxnSp>
-        <p:nvCxnSpPr>
-          <p:cNvPr id="22" name="Прямая соединительная линия 21"/>
-          <p:cNvCxnSpPr/>
-          <p:nvPr/>
-        </p:nvCxnSpPr>
-        <p:spPr>
-          <a:xfrm rot="5400000">
-            <a:off x="6876256" y="3717032"/>
-            <a:ext cx="4032448" cy="0"/>
-          </a:xfrm>
-          <a:prstGeom prst="line">
-            <a:avLst/>
-          </a:prstGeom>
-          <a:ln>
-            <a:prstDash val="dash"/>
-          </a:ln>
-        </p:spPr>
-        <p:style>
-          <a:lnRef idx="3">
-            <a:schemeClr val="dk1"/>
-          </a:lnRef>
-          <a:fillRef idx="0">
-            <a:schemeClr val="dk1"/>
-          </a:fillRef>
-          <a:effectRef idx="2">
-            <a:schemeClr val="dk1"/>
-          </a:effectRef>
-          <a:fontRef idx="minor">
-            <a:schemeClr val="tx1"/>
-          </a:fontRef>
-        </p:style>
-      </p:cxnSp>
-      <p:cxnSp>
-        <p:nvCxnSpPr>
-          <p:cNvPr id="23" name="Прямая соединительная линия 22"/>
-          <p:cNvCxnSpPr/>
-          <p:nvPr/>
-        </p:nvCxnSpPr>
-        <p:spPr>
-          <a:xfrm>
-            <a:off x="5796136" y="5805264"/>
-            <a:ext cx="3168352" cy="0"/>
-          </a:xfrm>
-          <a:prstGeom prst="line">
-            <a:avLst/>
-          </a:prstGeom>
-          <a:ln>
-            <a:prstDash val="dash"/>
-          </a:ln>
-        </p:spPr>
-        <p:style>
-          <a:lnRef idx="3">
-            <a:schemeClr val="dk1"/>
-          </a:lnRef>
-          <a:fillRef idx="0">
-            <a:schemeClr val="dk1"/>
-          </a:fillRef>
-          <a:effectRef idx="2">
-            <a:schemeClr val="dk1"/>
-          </a:effectRef>
-          <a:fontRef idx="minor">
-            <a:schemeClr val="tx1"/>
-          </a:fontRef>
-        </p:style>
-      </p:cxnSp>
-      <p:sp>
-        <p:nvSpPr>
-          <p:cNvPr id="13" name="Скругленный прямоугольник 12"/>
-          <p:cNvSpPr/>
-          <p:nvPr/>
-        </p:nvSpPr>
-        <p:spPr>
-          <a:xfrm>
-            <a:off x="3923928" y="4797152"/>
-            <a:ext cx="1296144" cy="864096"/>
-          </a:xfrm>
-          <a:prstGeom prst="roundRect">
-            <a:avLst/>
-          </a:prstGeom>
-        </p:spPr>
-        <p:style>
-          <a:lnRef idx="1">
-            <a:schemeClr val="accent1"/>
-          </a:lnRef>
-          <a:fillRef idx="2">
-            <a:schemeClr val="accent1"/>
-          </a:fillRef>
-          <a:effectRef idx="1">
-            <a:schemeClr val="accent1"/>
-          </a:effectRef>
-          <a:fontRef idx="minor">
-            <a:schemeClr val="dk1"/>
-          </a:fontRef>
-        </p:style>
-        <p:txBody>
-          <a:bodyPr rtlCol="0" anchor="ctr"/>
-          <a:lstStyle/>
-          <a:p>
-            <a:pPr algn="ctr"/>
-            <a:r>
-              <a:rPr lang="uk-UA" sz="2400" dirty="0" smtClean="0"/>
-              <a:t>Прилад</a:t>
-            </a:r>
-            <a:endParaRPr lang="ru-RU" sz="2400" dirty="0"/>
-          </a:p>
-        </p:txBody>
-      </p:sp>
-      <p:sp>
-        <p:nvSpPr>
-          <p:cNvPr id="14" name="Скругленный прямоугольник 13"/>
-          <p:cNvSpPr/>
-          <p:nvPr/>
-        </p:nvSpPr>
-        <p:spPr>
-          <a:xfrm>
-            <a:off x="8028384" y="4797152"/>
-            <a:ext cx="720080" cy="864096"/>
-          </a:xfrm>
-          <a:prstGeom prst="roundRect">
-            <a:avLst/>
-          </a:prstGeom>
-        </p:spPr>
-        <p:style>
-          <a:lnRef idx="1">
-            <a:schemeClr val="accent1"/>
-          </a:lnRef>
-          <a:fillRef idx="2">
-            <a:schemeClr val="accent1"/>
-          </a:fillRef>
-          <a:effectRef idx="1">
-            <a:schemeClr val="accent1"/>
-          </a:effectRef>
-          <a:fontRef idx="minor">
-            <a:schemeClr val="dk1"/>
-          </a:fontRef>
-        </p:style>
-        <p:txBody>
-          <a:bodyPr rtlCol="0" anchor="ctr"/>
-          <a:lstStyle/>
-          <a:p>
-            <a:pPr algn="ctr"/>
-            <a:r>
-              <a:rPr lang="uk-UA" sz="2400" dirty="0" smtClean="0"/>
-              <a:t>ПК</a:t>
-            </a:r>
-            <a:endParaRPr lang="ru-RU" sz="2400" dirty="0"/>
-          </a:p>
-        </p:txBody>
-      </p:sp>
     </p:spTree>
   </p:cSld>
   <p:clrMapOvr>
@@ -6094,7 +5754,7 @@
           <a:p>
             <a:r>
               <a:rPr lang="uk-UA" dirty="0" smtClean="0"/>
-              <a:t>Схема керування напругою</a:t>
+              <a:t>Схема керування струмом</a:t>
             </a:r>
             <a:endParaRPr lang="ru-RU" dirty="0"/>
           </a:p>
@@ -6126,14 +5786,14 @@
       </p:sp>
       <p:pic>
         <p:nvPicPr>
-          <p:cNvPr id="22529" name="Picture 1" descr="D:\Diplom\TempDocs\Report\t\kdn.png"/>
+          <p:cNvPr id="21505" name="Picture 1" descr="D:\Diplom\TempDocs\Report\t\DAC.png"/>
           <p:cNvPicPr>
             <a:picLocks noChangeAspect="1" noChangeArrowheads="1"/>
           </p:cNvPicPr>
           <p:nvPr/>
         </p:nvPicPr>
         <p:blipFill>
-          <a:blip r:embed="rId2" cstate="print">
+          <a:blip r:embed="rId3" cstate="print">
             <a:lum bright="-75000"/>
           </a:blip>
           <a:srcRect/>
@@ -6143,8 +5803,8 @@
         </p:blipFill>
         <p:spPr bwMode="auto">
           <a:xfrm>
-            <a:off x="611560" y="1268760"/>
-            <a:ext cx="8064896" cy="5260404"/>
+            <a:off x="0" y="1772816"/>
+            <a:ext cx="9144000" cy="4505325"/>
           </a:xfrm>
           <a:prstGeom prst="rect">
             <a:avLst/>
@@ -6152,6 +5812,66 @@
           <a:noFill/>
         </p:spPr>
       </p:pic>
+      <p:sp>
+        <p:nvSpPr>
+          <p:cNvPr id="7" name="TextBox 6"/>
+          <p:cNvSpPr txBox="1"/>
+          <p:nvPr/>
+        </p:nvSpPr>
+        <p:spPr>
+          <a:xfrm>
+            <a:off x="755576" y="1700808"/>
+            <a:ext cx="2664296" cy="461665"/>
+          </a:xfrm>
+          <a:prstGeom prst="rect">
+            <a:avLst/>
+          </a:prstGeom>
+          <a:noFill/>
+        </p:spPr>
+        <p:txBody>
+          <a:bodyPr wrap="square" rtlCol="0">
+            <a:spAutoFit/>
+          </a:bodyPr>
+          <a:lstStyle/>
+          <a:p>
+            <a:r>
+              <a:rPr lang="uk-UA" sz="2400" dirty="0" smtClean="0"/>
+              <a:t>Вихід ЦАП</a:t>
+            </a:r>
+            <a:endParaRPr lang="ru-RU" sz="2400" dirty="0"/>
+          </a:p>
+        </p:txBody>
+      </p:sp>
+      <p:sp>
+        <p:nvSpPr>
+          <p:cNvPr id="9" name="TextBox 8"/>
+          <p:cNvSpPr txBox="1"/>
+          <p:nvPr/>
+        </p:nvSpPr>
+        <p:spPr>
+          <a:xfrm>
+            <a:off x="611560" y="4869160"/>
+            <a:ext cx="3528392" cy="461665"/>
+          </a:xfrm>
+          <a:prstGeom prst="rect">
+            <a:avLst/>
+          </a:prstGeom>
+          <a:noFill/>
+        </p:spPr>
+        <p:txBody>
+          <a:bodyPr wrap="square" rtlCol="0">
+            <a:spAutoFit/>
+          </a:bodyPr>
+          <a:lstStyle/>
+          <a:p>
+            <a:r>
+              <a:rPr lang="uk-UA" sz="2400" dirty="0" smtClean="0"/>
+              <a:t>Мікроконтролер</a:t>
+            </a:r>
+            <a:endParaRPr lang="ru-RU" sz="2400" dirty="0"/>
+          </a:p>
+        </p:txBody>
+      </p:sp>
     </p:spTree>
   </p:cSld>
   <p:clrMapOvr>
@@ -6196,173 +5916,6 @@
         </p:nvSpPr>
         <p:spPr/>
         <p:txBody>
-          <a:bodyPr/>
-          <a:lstStyle/>
-          <a:p>
-            <a:r>
-              <a:rPr lang="uk-UA" dirty="0" smtClean="0"/>
-              <a:t>Схема керування струмом</a:t>
-            </a:r>
-            <a:endParaRPr lang="ru-RU" dirty="0"/>
-          </a:p>
-        </p:txBody>
-      </p:sp>
-      <p:sp>
-        <p:nvSpPr>
-          <p:cNvPr id="8" name="Номер слайда 7"/>
-          <p:cNvSpPr>
-            <a:spLocks noGrp="1"/>
-          </p:cNvSpPr>
-          <p:nvPr>
-            <p:ph type="sldNum" sz="quarter" idx="12"/>
-          </p:nvPr>
-        </p:nvSpPr>
-        <p:spPr/>
-        <p:txBody>
-          <a:bodyPr/>
-          <a:lstStyle/>
-          <a:p>
-            <a:fld id="{679C4B18-9BFA-4BD6-A2FF-5FD9619786E0}" type="slidenum">
-              <a:rPr lang="ru-RU" smtClean="0"/>
-              <a:pPr/>
-              <a:t>7</a:t>
-            </a:fld>
-            <a:endParaRPr lang="ru-RU"/>
-          </a:p>
-        </p:txBody>
-      </p:sp>
-      <p:pic>
-        <p:nvPicPr>
-          <p:cNvPr id="21505" name="Picture 1" descr="D:\Diplom\TempDocs\Report\t\DAC.png"/>
-          <p:cNvPicPr>
-            <a:picLocks noChangeAspect="1" noChangeArrowheads="1"/>
-          </p:cNvPicPr>
-          <p:nvPr/>
-        </p:nvPicPr>
-        <p:blipFill>
-          <a:blip r:embed="rId3" cstate="print">
-            <a:lum bright="-75000"/>
-          </a:blip>
-          <a:srcRect/>
-          <a:stretch>
-            <a:fillRect/>
-          </a:stretch>
-        </p:blipFill>
-        <p:spPr bwMode="auto">
-          <a:xfrm>
-            <a:off x="0" y="1772816"/>
-            <a:ext cx="9144000" cy="4505325"/>
-          </a:xfrm>
-          <a:prstGeom prst="rect">
-            <a:avLst/>
-          </a:prstGeom>
-          <a:noFill/>
-        </p:spPr>
-      </p:pic>
-      <p:sp>
-        <p:nvSpPr>
-          <p:cNvPr id="7" name="TextBox 6"/>
-          <p:cNvSpPr txBox="1"/>
-          <p:nvPr/>
-        </p:nvSpPr>
-        <p:spPr>
-          <a:xfrm>
-            <a:off x="755576" y="1700808"/>
-            <a:ext cx="2664296" cy="461665"/>
-          </a:xfrm>
-          <a:prstGeom prst="rect">
-            <a:avLst/>
-          </a:prstGeom>
-          <a:noFill/>
-        </p:spPr>
-        <p:txBody>
-          <a:bodyPr wrap="square" rtlCol="0">
-            <a:spAutoFit/>
-          </a:bodyPr>
-          <a:lstStyle/>
-          <a:p>
-            <a:r>
-              <a:rPr lang="uk-UA" sz="2400" dirty="0" smtClean="0"/>
-              <a:t>Вихід ЦАП</a:t>
-            </a:r>
-            <a:endParaRPr lang="ru-RU" sz="2400" dirty="0"/>
-          </a:p>
-        </p:txBody>
-      </p:sp>
-      <p:sp>
-        <p:nvSpPr>
-          <p:cNvPr id="9" name="TextBox 8"/>
-          <p:cNvSpPr txBox="1"/>
-          <p:nvPr/>
-        </p:nvSpPr>
-        <p:spPr>
-          <a:xfrm>
-            <a:off x="611560" y="4869160"/>
-            <a:ext cx="3528392" cy="461665"/>
-          </a:xfrm>
-          <a:prstGeom prst="rect">
-            <a:avLst/>
-          </a:prstGeom>
-          <a:noFill/>
-        </p:spPr>
-        <p:txBody>
-          <a:bodyPr wrap="square" rtlCol="0">
-            <a:spAutoFit/>
-          </a:bodyPr>
-          <a:lstStyle/>
-          <a:p>
-            <a:r>
-              <a:rPr lang="uk-UA" sz="2400" dirty="0" smtClean="0"/>
-              <a:t>Мікроконтролер</a:t>
-            </a:r>
-            <a:endParaRPr lang="ru-RU" sz="2400" dirty="0"/>
-          </a:p>
-        </p:txBody>
-      </p:sp>
-    </p:spTree>
-  </p:cSld>
-  <p:clrMapOvr>
-    <a:masterClrMapping/>
-  </p:clrMapOvr>
-  <p:timing>
-    <p:tnLst>
-      <p:par>
-        <p:cTn id="1" dur="indefinite" restart="never" nodeType="tmRoot"/>
-      </p:par>
-    </p:tnLst>
-  </p:timing>
-</p:sld>
-</file>
-
-<file path=ppt/slides/slide8.xml><?xml version="1.0" encoding="utf-8"?>
-<p:sld xmlns:a="http://schemas.openxmlformats.org/drawingml/2006/main" xmlns:r="http://schemas.openxmlformats.org/officeDocument/2006/relationships" xmlns:p="http://schemas.openxmlformats.org/presentationml/2006/main">
-  <p:cSld>
-    <p:spTree>
-      <p:nvGrpSpPr>
-        <p:cNvPr id="1" name=""/>
-        <p:cNvGrpSpPr/>
-        <p:nvPr/>
-      </p:nvGrpSpPr>
-      <p:grpSpPr>
-        <a:xfrm>
-          <a:off x="0" y="0"/>
-          <a:ext cx="0" cy="0"/>
-          <a:chOff x="0" y="0"/>
-          <a:chExt cx="0" cy="0"/>
-        </a:xfrm>
-      </p:grpSpPr>
-      <p:sp>
-        <p:nvSpPr>
-          <p:cNvPr id="2" name="Заголовок 1"/>
-          <p:cNvSpPr>
-            <a:spLocks noGrp="1"/>
-          </p:cNvSpPr>
-          <p:nvPr>
-            <p:ph type="title"/>
-          </p:nvPr>
-        </p:nvSpPr>
-        <p:spPr/>
-        <p:txBody>
           <a:bodyPr>
             <a:normAutofit/>
           </a:bodyPr>
@@ -6388,7 +5941,7 @@
         </p:nvGraphicFramePr>
         <p:xfrm>
           <a:off x="539552" y="1628800"/>
-          <a:ext cx="8136904" cy="4685004"/>
+          <a:ext cx="8136904" cy="4876224"/>
         </p:xfrm>
         <a:graphic>
           <a:graphicData uri="http://schemas.openxmlformats.org/drawingml/2006/table">
@@ -7519,9 +7072,245 @@
             <a:fld id="{679C4B18-9BFA-4BD6-A2FF-5FD9619786E0}" type="slidenum">
               <a:rPr lang="ru-RU" smtClean="0"/>
               <a:pPr/>
+              <a:t>7</a:t>
+            </a:fld>
+            <a:endParaRPr lang="ru-RU"/>
+          </a:p>
+        </p:txBody>
+      </p:sp>
+    </p:spTree>
+  </p:cSld>
+  <p:clrMapOvr>
+    <a:masterClrMapping/>
+  </p:clrMapOvr>
+  <p:timing>
+    <p:tnLst>
+      <p:par>
+        <p:cTn id="1" dur="indefinite" restart="never" nodeType="tmRoot"/>
+      </p:par>
+    </p:tnLst>
+  </p:timing>
+</p:sld>
+</file>
+
+<file path=ppt/slides/slide8.xml><?xml version="1.0" encoding="utf-8"?>
+<p:sld xmlns:a="http://schemas.openxmlformats.org/drawingml/2006/main" xmlns:r="http://schemas.openxmlformats.org/officeDocument/2006/relationships" xmlns:p="http://schemas.openxmlformats.org/presentationml/2006/main">
+  <p:cSld>
+    <p:spTree>
+      <p:nvGrpSpPr>
+        <p:cNvPr id="1" name=""/>
+        <p:cNvGrpSpPr/>
+        <p:nvPr/>
+      </p:nvGrpSpPr>
+      <p:grpSpPr>
+        <a:xfrm>
+          <a:off x="0" y="0"/>
+          <a:ext cx="0" cy="0"/>
+          <a:chOff x="0" y="0"/>
+          <a:chExt cx="0" cy="0"/>
+        </a:xfrm>
+      </p:grpSpPr>
+      <p:sp>
+        <p:nvSpPr>
+          <p:cNvPr id="2" name="Заголовок 1"/>
+          <p:cNvSpPr>
+            <a:spLocks noGrp="1"/>
+          </p:cNvSpPr>
+          <p:nvPr>
+            <p:ph type="title"/>
+          </p:nvPr>
+        </p:nvSpPr>
+        <p:spPr>
+          <a:xfrm>
+            <a:off x="457200" y="274638"/>
+            <a:ext cx="8229600" cy="994122"/>
+          </a:xfrm>
+        </p:spPr>
+        <p:txBody>
+          <a:bodyPr/>
+          <a:lstStyle/>
+          <a:p>
+            <a:r>
+              <a:rPr lang="uk-UA" dirty="0" smtClean="0"/>
+              <a:t>Алгоритм роботи драйвера</a:t>
+            </a:r>
+            <a:endParaRPr lang="ru-RU" dirty="0"/>
+          </a:p>
+        </p:txBody>
+      </p:sp>
+      <p:sp>
+        <p:nvSpPr>
+          <p:cNvPr id="10" name="Номер слайда 9"/>
+          <p:cNvSpPr>
+            <a:spLocks noGrp="1"/>
+          </p:cNvSpPr>
+          <p:nvPr>
+            <p:ph type="sldNum" sz="quarter" idx="12"/>
+          </p:nvPr>
+        </p:nvSpPr>
+        <p:spPr/>
+        <p:txBody>
+          <a:bodyPr/>
+          <a:lstStyle/>
+          <a:p>
+            <a:fld id="{679C4B18-9BFA-4BD6-A2FF-5FD9619786E0}" type="slidenum">
+              <a:rPr lang="ru-RU" smtClean="0"/>
+              <a:pPr/>
               <a:t>8</a:t>
             </a:fld>
             <a:endParaRPr lang="ru-RU"/>
+          </a:p>
+        </p:txBody>
+      </p:sp>
+      <p:sp>
+        <p:nvSpPr>
+          <p:cNvPr id="4100" name="Rectangle 4"/>
+          <p:cNvSpPr>
+            <a:spLocks noChangeArrowheads="1"/>
+          </p:cNvSpPr>
+          <p:nvPr/>
+        </p:nvSpPr>
+        <p:spPr bwMode="auto">
+          <a:xfrm>
+            <a:off x="0" y="0"/>
+            <a:ext cx="9144000" cy="457200"/>
+          </a:xfrm>
+          <a:prstGeom prst="rect">
+            <a:avLst/>
+          </a:prstGeom>
+          <a:noFill/>
+          <a:ln w="9525">
+            <a:noFill/>
+            <a:miter lim="800000"/>
+            <a:headEnd/>
+            <a:tailEnd/>
+          </a:ln>
+          <a:effectLst/>
+        </p:spPr>
+        <p:txBody>
+          <a:bodyPr vert="horz" wrap="none" lIns="91440" tIns="45720" rIns="91440" bIns="45720" numCol="1" anchor="ctr" anchorCtr="0" compatLnSpc="1">
+            <a:prstTxWarp prst="textNoShape">
+              <a:avLst/>
+            </a:prstTxWarp>
+            <a:spAutoFit/>
+          </a:bodyPr>
+          <a:lstStyle/>
+          <a:p>
+            <a:endParaRPr lang="ru-RU"/>
+          </a:p>
+        </p:txBody>
+      </p:sp>
+      <p:pic>
+        <p:nvPicPr>
+          <p:cNvPr id="11" name="Рисунок 10"/>
+          <p:cNvPicPr/>
+          <p:nvPr/>
+        </p:nvPicPr>
+        <p:blipFill>
+          <a:blip r:embed="rId2" cstate="print"/>
+          <a:srcRect/>
+          <a:stretch>
+            <a:fillRect/>
+          </a:stretch>
+        </p:blipFill>
+        <p:spPr bwMode="auto">
+          <a:xfrm>
+            <a:off x="323528" y="1916832"/>
+            <a:ext cx="8231255" cy="4752528"/>
+          </a:xfrm>
+          <a:prstGeom prst="rect">
+            <a:avLst/>
+          </a:prstGeom>
+          <a:noFill/>
+          <a:ln w="9525">
+            <a:noFill/>
+            <a:miter lim="800000"/>
+            <a:headEnd/>
+            <a:tailEnd/>
+          </a:ln>
+        </p:spPr>
+      </p:pic>
+      <p:sp>
+        <p:nvSpPr>
+          <p:cNvPr id="13" name="Скругленный прямоугольник 12"/>
+          <p:cNvSpPr/>
+          <p:nvPr/>
+        </p:nvSpPr>
+        <p:spPr>
+          <a:xfrm>
+            <a:off x="6588224" y="1412776"/>
+            <a:ext cx="1296144" cy="432048"/>
+          </a:xfrm>
+          <a:prstGeom prst="roundRect">
+            <a:avLst/>
+          </a:prstGeom>
+        </p:spPr>
+        <p:style>
+          <a:lnRef idx="1">
+            <a:schemeClr val="accent1"/>
+          </a:lnRef>
+          <a:fillRef idx="2">
+            <a:schemeClr val="accent1"/>
+          </a:fillRef>
+          <a:effectRef idx="1">
+            <a:schemeClr val="accent1"/>
+          </a:effectRef>
+          <a:fontRef idx="minor">
+            <a:schemeClr val="dk1"/>
+          </a:fontRef>
+        </p:style>
+        <p:txBody>
+          <a:bodyPr rtlCol="0" anchor="ctr"/>
+          <a:lstStyle/>
+          <a:p>
+            <a:pPr algn="ctr"/>
+            <a:r>
+              <a:rPr lang="uk-UA" sz="2400" dirty="0" smtClean="0"/>
+              <a:t>1</a:t>
+            </a:r>
+            <a:endParaRPr lang="ru-RU" sz="2400" dirty="0"/>
+          </a:p>
+        </p:txBody>
+      </p:sp>
+      <p:sp>
+        <p:nvSpPr>
+          <p:cNvPr id="16" name="Скругленный прямоугольник 15"/>
+          <p:cNvSpPr/>
+          <p:nvPr/>
+        </p:nvSpPr>
+        <p:spPr>
+          <a:xfrm>
+            <a:off x="3851920" y="1412776"/>
+            <a:ext cx="1296144" cy="432048"/>
+          </a:xfrm>
+          <a:prstGeom prst="roundRect">
+            <a:avLst/>
+          </a:prstGeom>
+        </p:spPr>
+        <p:style>
+          <a:lnRef idx="1">
+            <a:schemeClr val="accent1"/>
+          </a:lnRef>
+          <a:fillRef idx="2">
+            <a:schemeClr val="accent1"/>
+          </a:fillRef>
+          <a:effectRef idx="1">
+            <a:schemeClr val="accent1"/>
+          </a:effectRef>
+          <a:fontRef idx="minor">
+            <a:schemeClr val="dk1"/>
+          </a:fontRef>
+        </p:style>
+        <p:txBody>
+          <a:bodyPr rtlCol="0" anchor="ctr"/>
+          <a:lstStyle/>
+          <a:p>
+            <a:pPr algn="ctr"/>
+            <a:r>
+              <a:rPr lang="uk-UA" sz="2400" dirty="0" smtClean="0"/>
+              <a:t>2</a:t>
+            </a:r>
+            <a:endParaRPr lang="ru-RU" sz="2400" dirty="0"/>
           </a:p>
         </p:txBody>
       </p:sp>
@@ -7559,35 +7348,154 @@
       </p:grpSpPr>
       <p:sp>
         <p:nvSpPr>
-          <p:cNvPr id="2" name="Заголовок 1"/>
+          <p:cNvPr id="5" name="Заголовок 4"/>
           <p:cNvSpPr>
             <a:spLocks noGrp="1"/>
           </p:cNvSpPr>
           <p:nvPr>
             <p:ph type="title"/>
+          </p:nvPr>
+        </p:nvSpPr>
+        <p:spPr/>
+        <p:txBody>
+          <a:bodyPr>
+            <a:normAutofit/>
+          </a:bodyPr>
+          <a:lstStyle/>
+          <a:p>
+            <a:r>
+              <a:rPr lang="uk-UA" dirty="0" smtClean="0"/>
+              <a:t>Робота з тривимірною графікою</a:t>
+            </a:r>
+            <a:endParaRPr lang="ru-RU" dirty="0"/>
+          </a:p>
+        </p:txBody>
+      </p:sp>
+      <p:sp>
+        <p:nvSpPr>
+          <p:cNvPr id="6" name="Содержимое 5"/>
+          <p:cNvSpPr>
+            <a:spLocks noGrp="1"/>
+          </p:cNvSpPr>
+          <p:nvPr>
+            <p:ph sz="half" idx="1"/>
           </p:nvPr>
         </p:nvSpPr>
         <p:spPr>
           <a:xfrm>
-            <a:off x="457200" y="274638"/>
-            <a:ext cx="8229600" cy="994122"/>
-          </a:xfrm>
-        </p:spPr>
-        <p:txBody>
-          <a:bodyPr/>
-          <a:lstStyle/>
-          <a:p>
+            <a:off x="4860032" y="1340768"/>
+            <a:ext cx="4038600" cy="2404864"/>
+          </a:xfrm>
+        </p:spPr>
+        <p:txBody>
+          <a:bodyPr>
+            <a:normAutofit fontScale="92500" lnSpcReduction="20000"/>
+          </a:bodyPr>
+          <a:lstStyle/>
+          <a:p>
+            <a:pPr>
+              <a:buNone/>
+            </a:pPr>
             <a:r>
               <a:rPr lang="uk-UA" dirty="0" smtClean="0"/>
-              <a:t>Алгоритм роботи драйвера</a:t>
-            </a:r>
+              <a:t>Структура вершини:</a:t>
+            </a:r>
+          </a:p>
+          <a:p>
+            <a:r>
+              <a:rPr lang="uk-UA" dirty="0" smtClean="0"/>
+              <a:t>Координати (</a:t>
+            </a:r>
+            <a:r>
+              <a:rPr lang="en-US" dirty="0" smtClean="0"/>
+              <a:t>x, y, z)</a:t>
+            </a:r>
+            <a:endParaRPr lang="uk-UA" dirty="0" smtClean="0"/>
+          </a:p>
+          <a:p>
+            <a:r>
+              <a:rPr lang="uk-UA" dirty="0" smtClean="0"/>
+              <a:t>Нормаль (</a:t>
+            </a:r>
+            <a:r>
+              <a:rPr lang="en-US" dirty="0" smtClean="0"/>
+              <a:t>x, y, z)</a:t>
+            </a:r>
+            <a:endParaRPr lang="uk-UA" dirty="0" smtClean="0"/>
+          </a:p>
+          <a:p>
+            <a:r>
+              <a:rPr lang="uk-UA" dirty="0" smtClean="0"/>
+              <a:t>Текстура (</a:t>
+            </a:r>
+            <a:r>
+              <a:rPr lang="en-US" dirty="0" smtClean="0"/>
+              <a:t>x, y)</a:t>
+            </a:r>
+            <a:endParaRPr lang="uk-UA" dirty="0" smtClean="0"/>
+          </a:p>
+          <a:p>
+            <a:r>
+              <a:rPr lang="uk-UA" dirty="0" smtClean="0"/>
+              <a:t>Колір </a:t>
+            </a:r>
+            <a:r>
+              <a:rPr lang="en-US" dirty="0" smtClean="0"/>
+              <a:t> (RGBA, 32 </a:t>
+            </a:r>
+            <a:r>
+              <a:rPr lang="uk-UA" dirty="0" smtClean="0"/>
+              <a:t>біти)</a:t>
+            </a:r>
+          </a:p>
+          <a:p>
+            <a:pPr>
+              <a:buNone/>
+            </a:pPr>
+            <a:r>
+              <a:rPr lang="uk-UA" dirty="0" smtClean="0"/>
+              <a:t>Індекси</a:t>
+            </a:r>
+          </a:p>
+          <a:p>
+            <a:pPr>
+              <a:buNone/>
+            </a:pPr>
             <a:endParaRPr lang="ru-RU" dirty="0"/>
           </a:p>
         </p:txBody>
       </p:sp>
-      <p:sp>
-        <p:nvSpPr>
-          <p:cNvPr id="10" name="Номер слайда 9"/>
+      <p:pic>
+        <p:nvPicPr>
+          <p:cNvPr id="1026" name="Picture 2" descr="D:\Diplom\TempDocs\Report\t\3d.png"/>
+          <p:cNvPicPr>
+            <a:picLocks noGrp="1" noChangeAspect="1" noChangeArrowheads="1"/>
+          </p:cNvPicPr>
+          <p:nvPr>
+            <p:ph sz="half" idx="2"/>
+          </p:nvPr>
+        </p:nvPicPr>
+        <p:blipFill>
+          <a:blip r:embed="rId2" cstate="print"/>
+          <a:srcRect/>
+          <a:stretch>
+            <a:fillRect/>
+          </a:stretch>
+        </p:blipFill>
+        <p:spPr bwMode="auto">
+          <a:xfrm>
+            <a:off x="683568" y="4005064"/>
+            <a:ext cx="7920880" cy="2253154"/>
+          </a:xfrm>
+          <a:prstGeom prst="rect">
+            <a:avLst/>
+          </a:prstGeom>
+          <a:noFill/>
+        </p:spPr>
+      </p:pic>
+      <p:sp>
+        <p:nvSpPr>
+          <p:cNvPr id="13" name="Номер слайда 12"/>
           <p:cNvSpPr>
             <a:spLocks noGrp="1"/>
           </p:cNvSpPr>
@@ -7611,7 +7519,69 @@
       </p:sp>
       <p:sp>
         <p:nvSpPr>
-          <p:cNvPr id="4100" name="Rectangle 4"/>
+          <p:cNvPr id="9" name="TextBox 8"/>
+          <p:cNvSpPr txBox="1"/>
+          <p:nvPr/>
+        </p:nvSpPr>
+        <p:spPr>
+          <a:xfrm rot="-2700000">
+            <a:off x="1438563" y="2188812"/>
+            <a:ext cx="1367841" cy="461665"/>
+          </a:xfrm>
+          <a:prstGeom prst="rect">
+            <a:avLst/>
+          </a:prstGeom>
+          <a:noFill/>
+        </p:spPr>
+        <p:txBody>
+          <a:bodyPr wrap="square" rtlCol="0">
+            <a:spAutoFit/>
+          </a:bodyPr>
+          <a:lstStyle/>
+          <a:p>
+            <a:pPr algn="ctr"/>
+            <a:r>
+              <a:rPr lang="uk-UA" sz="2400" dirty="0" smtClean="0"/>
+              <a:t>Полігон</a:t>
+            </a:r>
+            <a:endParaRPr lang="ru-RU" sz="2400" dirty="0"/>
+          </a:p>
+        </p:txBody>
+      </p:sp>
+      <p:sp>
+        <p:nvSpPr>
+          <p:cNvPr id="10" name="TextBox 9"/>
+          <p:cNvSpPr txBox="1"/>
+          <p:nvPr/>
+        </p:nvSpPr>
+        <p:spPr>
+          <a:xfrm rot="-2700000">
+            <a:off x="2014627" y="2620859"/>
+            <a:ext cx="1367841" cy="461665"/>
+          </a:xfrm>
+          <a:prstGeom prst="rect">
+            <a:avLst/>
+          </a:prstGeom>
+          <a:noFill/>
+        </p:spPr>
+        <p:txBody>
+          <a:bodyPr wrap="square" rtlCol="0">
+            <a:spAutoFit/>
+          </a:bodyPr>
+          <a:lstStyle/>
+          <a:p>
+            <a:pPr algn="ctr"/>
+            <a:r>
+              <a:rPr lang="uk-UA" sz="2400" dirty="0" smtClean="0"/>
+              <a:t>Полігон</a:t>
+            </a:r>
+            <a:endParaRPr lang="ru-RU" sz="2400" dirty="0"/>
+          </a:p>
+        </p:txBody>
+      </p:sp>
+      <p:sp>
+        <p:nvSpPr>
+          <p:cNvPr id="17410" name="Rectangle 2"/>
           <p:cNvSpPr>
             <a:spLocks noChangeArrowheads="1"/>
           </p:cNvSpPr>
@@ -7649,12 +7619,14 @@
       </p:sp>
       <p:pic>
         <p:nvPicPr>
-          <p:cNvPr id="11" name="Рисунок 10"/>
-          <p:cNvPicPr/>
+          <p:cNvPr id="17409" name="Рисунок 1"/>
+          <p:cNvPicPr>
+            <a:picLocks noChangeAspect="1" noChangeArrowheads="1"/>
+          </p:cNvPicPr>
           <p:nvPr/>
         </p:nvPicPr>
         <p:blipFill>
-          <a:blip r:embed="rId2" cstate="print"/>
+          <a:blip r:embed="rId3" cstate="print"/>
           <a:srcRect/>
           <a:stretch>
             <a:fillRect/>
@@ -7662,105 +7634,15 @@
         </p:blipFill>
         <p:spPr bwMode="auto">
           <a:xfrm>
-            <a:off x="323528" y="1916832"/>
-            <a:ext cx="8231255" cy="4752528"/>
+            <a:off x="323528" y="1556792"/>
+            <a:ext cx="4248473" cy="2311669"/>
           </a:xfrm>
           <a:prstGeom prst="rect">
             <a:avLst/>
           </a:prstGeom>
           <a:noFill/>
-          <a:ln w="9525">
-            <a:noFill/>
-            <a:miter lim="800000"/>
-            <a:headEnd/>
-            <a:tailEnd/>
-          </a:ln>
         </p:spPr>
       </p:pic>
-      <p:sp>
-        <p:nvSpPr>
-          <p:cNvPr id="13" name="Скругленный прямоугольник 12"/>
-          <p:cNvSpPr/>
-          <p:nvPr/>
-        </p:nvSpPr>
-        <p:spPr>
-          <a:xfrm>
-            <a:off x="6588224" y="1412776"/>
-            <a:ext cx="1296144" cy="432048"/>
-          </a:xfrm>
-          <a:prstGeom prst="roundRect">
-            <a:avLst/>
-          </a:prstGeom>
-        </p:spPr>
-        <p:style>
-          <a:lnRef idx="1">
-            <a:schemeClr val="accent1"/>
-          </a:lnRef>
-          <a:fillRef idx="2">
-            <a:schemeClr val="accent1"/>
-          </a:fillRef>
-          <a:effectRef idx="1">
-            <a:schemeClr val="accent1"/>
-          </a:effectRef>
-          <a:fontRef idx="minor">
-            <a:schemeClr val="dk1"/>
-          </a:fontRef>
-        </p:style>
-        <p:txBody>
-          <a:bodyPr rtlCol="0" anchor="ctr"/>
-          <a:lstStyle/>
-          <a:p>
-            <a:pPr algn="ctr"/>
-            <a:r>
-              <a:rPr lang="uk-UA" sz="2400" dirty="0" smtClean="0"/>
-              <a:t>1</a:t>
-            </a:r>
-            <a:endParaRPr lang="ru-RU" sz="2400" dirty="0"/>
-          </a:p>
-        </p:txBody>
-      </p:sp>
-      <p:sp>
-        <p:nvSpPr>
-          <p:cNvPr id="16" name="Скругленный прямоугольник 15"/>
-          <p:cNvSpPr/>
-          <p:nvPr/>
-        </p:nvSpPr>
-        <p:spPr>
-          <a:xfrm>
-            <a:off x="3851920" y="1412776"/>
-            <a:ext cx="1296144" cy="432048"/>
-          </a:xfrm>
-          <a:prstGeom prst="roundRect">
-            <a:avLst/>
-          </a:prstGeom>
-        </p:spPr>
-        <p:style>
-          <a:lnRef idx="1">
-            <a:schemeClr val="accent1"/>
-          </a:lnRef>
-          <a:fillRef idx="2">
-            <a:schemeClr val="accent1"/>
-          </a:fillRef>
-          <a:effectRef idx="1">
-            <a:schemeClr val="accent1"/>
-          </a:effectRef>
-          <a:fontRef idx="minor">
-            <a:schemeClr val="dk1"/>
-          </a:fontRef>
-        </p:style>
-        <p:txBody>
-          <a:bodyPr rtlCol="0" anchor="ctr"/>
-          <a:lstStyle/>
-          <a:p>
-            <a:pPr algn="ctr"/>
-            <a:r>
-              <a:rPr lang="uk-UA" sz="2400" dirty="0" smtClean="0"/>
-              <a:t>2</a:t>
-            </a:r>
-            <a:endParaRPr lang="ru-RU" sz="2400" dirty="0"/>
-          </a:p>
-        </p:txBody>
-      </p:sp>
     </p:spTree>
   </p:cSld>
   <p:clrMapOvr>

--- a/Report/DiplomReportPrint.pptx
+++ b/Report/DiplomReportPrint.pptx
@@ -204,7 +204,7 @@
             <a:fld id="{8B1C4925-9B4A-4401-8FFF-3CF074C850CD}" type="datetimeFigureOut">
               <a:rPr lang="ru-RU" smtClean="0"/>
               <a:pPr/>
-              <a:t>20.06.2016</a:t>
+              <a:t>21.06.2016</a:t>
             </a:fld>
             <a:endParaRPr lang="ru-RU"/>
           </a:p>
@@ -898,7 +898,7 @@
             <a:fld id="{5C65AEA6-ACA0-43E8-8299-07B2A61FBBE8}" type="datetime1">
               <a:rPr lang="ru-RU" smtClean="0"/>
               <a:pPr/>
-              <a:t>20.06.2016</a:t>
+              <a:t>21.06.2016</a:t>
             </a:fld>
             <a:endParaRPr lang="ru-RU"/>
           </a:p>
@@ -1065,7 +1065,7 @@
             <a:fld id="{D87D3024-B6BD-49EA-BF01-98779C417F9A}" type="datetime1">
               <a:rPr lang="ru-RU" smtClean="0"/>
               <a:pPr/>
-              <a:t>20.06.2016</a:t>
+              <a:t>21.06.2016</a:t>
             </a:fld>
             <a:endParaRPr lang="ru-RU"/>
           </a:p>
@@ -1242,7 +1242,7 @@
             <a:fld id="{9BBA9CBB-AFA8-4568-AD5D-760BF72121D1}" type="datetime1">
               <a:rPr lang="ru-RU" smtClean="0"/>
               <a:pPr/>
-              <a:t>20.06.2016</a:t>
+              <a:t>21.06.2016</a:t>
             </a:fld>
             <a:endParaRPr lang="ru-RU"/>
           </a:p>
@@ -1409,7 +1409,7 @@
             <a:fld id="{969F68A7-90EC-4F70-8E30-F08DEAB6EE35}" type="datetime1">
               <a:rPr lang="ru-RU" smtClean="0"/>
               <a:pPr/>
-              <a:t>20.06.2016</a:t>
+              <a:t>21.06.2016</a:t>
             </a:fld>
             <a:endParaRPr lang="ru-RU"/>
           </a:p>
@@ -1652,7 +1652,7 @@
             <a:fld id="{C60B1FA8-0321-4A3B-B421-E18CA344319E}" type="datetime1">
               <a:rPr lang="ru-RU" smtClean="0"/>
               <a:pPr/>
-              <a:t>20.06.2016</a:t>
+              <a:t>21.06.2016</a:t>
             </a:fld>
             <a:endParaRPr lang="ru-RU"/>
           </a:p>
@@ -1937,7 +1937,7 @@
             <a:fld id="{FB5111EB-55ED-422B-82BF-DBBC4018D9F9}" type="datetime1">
               <a:rPr lang="ru-RU" smtClean="0"/>
               <a:pPr/>
-              <a:t>20.06.2016</a:t>
+              <a:t>21.06.2016</a:t>
             </a:fld>
             <a:endParaRPr lang="ru-RU"/>
           </a:p>
@@ -2356,7 +2356,7 @@
             <a:fld id="{EBDA1F03-D7BB-4497-B9CB-0889423DDC97}" type="datetime1">
               <a:rPr lang="ru-RU" smtClean="0"/>
               <a:pPr/>
-              <a:t>20.06.2016</a:t>
+              <a:t>21.06.2016</a:t>
             </a:fld>
             <a:endParaRPr lang="ru-RU"/>
           </a:p>
@@ -2471,7 +2471,7 @@
             <a:fld id="{8C9EC9E5-AD75-4D37-A032-92804153FE93}" type="datetime1">
               <a:rPr lang="ru-RU" smtClean="0"/>
               <a:pPr/>
-              <a:t>20.06.2016</a:t>
+              <a:t>21.06.2016</a:t>
             </a:fld>
             <a:endParaRPr lang="ru-RU"/>
           </a:p>
@@ -2563,7 +2563,7 @@
             <a:fld id="{C8C14B91-0516-4E63-B8DE-78956FED7E2F}" type="datetime1">
               <a:rPr lang="ru-RU" smtClean="0"/>
               <a:pPr/>
-              <a:t>20.06.2016</a:t>
+              <a:t>21.06.2016</a:t>
             </a:fld>
             <a:endParaRPr lang="ru-RU"/>
           </a:p>
@@ -2837,7 +2837,7 @@
             <a:fld id="{79B09A05-01E6-4B4B-B0EF-081E08784493}" type="datetime1">
               <a:rPr lang="ru-RU" smtClean="0"/>
               <a:pPr/>
-              <a:t>20.06.2016</a:t>
+              <a:t>21.06.2016</a:t>
             </a:fld>
             <a:endParaRPr lang="ru-RU"/>
           </a:p>
@@ -3087,7 +3087,7 @@
             <a:fld id="{6E18308B-90C1-47B8-A7C8-D3AE5DFE2EA8}" type="datetime1">
               <a:rPr lang="ru-RU" smtClean="0"/>
               <a:pPr/>
-              <a:t>20.06.2016</a:t>
+              <a:t>21.06.2016</a:t>
             </a:fld>
             <a:endParaRPr lang="ru-RU"/>
           </a:p>
@@ -3297,7 +3297,7 @@
             <a:fld id="{63EC237D-629F-43A9-8DC8-BE0DBFB3E21D}" type="datetime1">
               <a:rPr lang="ru-RU" smtClean="0"/>
               <a:pPr/>
-              <a:t>20.06.2016</a:t>
+              <a:t>21.06.2016</a:t>
             </a:fld>
             <a:endParaRPr lang="ru-RU"/>
           </a:p>
@@ -3679,7 +3679,7 @@
         </p:nvPicPr>
         <p:blipFill>
           <a:blip r:embed="rId3" cstate="print">
-            <a:lum bright="51000"/>
+            <a:lum bright="67000"/>
           </a:blip>
           <a:srcRect/>
           <a:stretch>
@@ -3707,7 +3707,7 @@
         </p:nvPicPr>
         <p:blipFill>
           <a:blip r:embed="rId4" cstate="print">
-            <a:lum bright="56000"/>
+            <a:lum bright="70000"/>
           </a:blip>
           <a:srcRect/>
           <a:stretch>
@@ -4681,7 +4681,9 @@
           </p:nvPr>
         </p:nvPicPr>
         <p:blipFill>
-          <a:blip r:embed="rId2" cstate="print"/>
+          <a:blip r:embed="rId2" cstate="print">
+            <a:lum bright="24000"/>
+          </a:blip>
           <a:stretch>
             <a:fillRect/>
           </a:stretch>
@@ -4730,7 +4732,9 @@
           <p:nvPr/>
         </p:nvPicPr>
         <p:blipFill>
-          <a:blip r:embed="rId3" cstate="print"/>
+          <a:blip r:embed="rId3" cstate="print">
+            <a:lum bright="12000" contrast="-29000"/>
+          </a:blip>
           <a:stretch>
             <a:fillRect/>
           </a:stretch>
@@ -4925,7 +4929,9 @@
           </p:nvPr>
         </p:nvPicPr>
         <p:blipFill>
-          <a:blip r:embed="rId2" cstate="print"/>
+          <a:blip r:embed="rId2" cstate="print">
+            <a:lum bright="25000"/>
+          </a:blip>
           <a:stretch>
             <a:fillRect/>
           </a:stretch>
@@ -4973,7 +4979,9 @@
           <p:nvPr/>
         </p:nvPicPr>
         <p:blipFill>
-          <a:blip r:embed="rId3" cstate="print"/>
+          <a:blip r:embed="rId3" cstate="print">
+            <a:lum bright="16000"/>
+          </a:blip>
           <a:srcRect/>
           <a:stretch>
             <a:fillRect/>
@@ -5528,6 +5536,7 @@
           <a:prstGeom prst="roundRect">
             <a:avLst/>
           </a:prstGeom>
+          <a:noFill/>
         </p:spPr>
         <p:style>
           <a:lnRef idx="1">
@@ -5570,6 +5579,7 @@
           <a:prstGeom prst="roundRect">
             <a:avLst/>
           </a:prstGeom>
+          <a:noFill/>
         </p:spPr>
         <p:style>
           <a:lnRef idx="1">
@@ -5940,8 +5950,8 @@
           </p:nvPr>
         </p:nvGraphicFramePr>
         <p:xfrm>
-          <a:off x="539552" y="1628800"/>
-          <a:ext cx="8136904" cy="4876224"/>
+          <a:off x="539552" y="1484784"/>
+          <a:ext cx="8136904" cy="4680520"/>
         </p:xfrm>
         <a:graphic>
           <a:graphicData uri="http://schemas.openxmlformats.org/drawingml/2006/table">
@@ -6863,7 +6873,7 @@
                   </a:tcPr>
                 </a:tc>
               </a:tr>
-              <a:tr h="1675824">
+              <a:tr h="1480120">
                 <a:tc>
                   <a:txBody>
                     <a:bodyPr/>
@@ -7244,6 +7254,7 @@
           <a:prstGeom prst="roundRect">
             <a:avLst/>
           </a:prstGeom>
+          <a:noFill/>
         </p:spPr>
         <p:style>
           <a:lnRef idx="1">
@@ -7286,6 +7297,7 @@
           <a:prstGeom prst="roundRect">
             <a:avLst/>
           </a:prstGeom>
+          <a:noFill/>
         </p:spPr>
         <p:style>
           <a:lnRef idx="1">
